--- a/מקרא.pptx
+++ b/מקרא.pptx
@@ -104,6 +104,11 @@
       </a:defRPr>
     </a:lvl9pPr>
   </p:defaultTextStyle>
+  <p:extLst>
+    <p:ext uri="{EFAFB233-063F-42B5-8137-9DF3F51BA10A}">
+      <p15:sldGuideLst xmlns:p15="http://schemas.microsoft.com/office/powerpoint/2012/main"/>
+    </p:ext>
+  </p:extLst>
 </p:presentation>
 </file>
 
@@ -254,7 +259,7 @@
           <a:p>
             <a:fld id="{CC53EE85-7788-44E6-9219-679C74242B41}" type="datetimeFigureOut">
               <a:rPr lang="en-US" smtClean="0"/>
-              <a:t>8/9/2023</a:t>
+              <a:t>8/10/2023</a:t>
             </a:fld>
             <a:endParaRPr lang="en-US"/>
           </a:p>
@@ -452,7 +457,7 @@
           <a:p>
             <a:fld id="{CC53EE85-7788-44E6-9219-679C74242B41}" type="datetimeFigureOut">
               <a:rPr lang="en-US" smtClean="0"/>
-              <a:t>8/9/2023</a:t>
+              <a:t>8/10/2023</a:t>
             </a:fld>
             <a:endParaRPr lang="en-US"/>
           </a:p>
@@ -660,7 +665,7 @@
           <a:p>
             <a:fld id="{CC53EE85-7788-44E6-9219-679C74242B41}" type="datetimeFigureOut">
               <a:rPr lang="en-US" smtClean="0"/>
-              <a:t>8/9/2023</a:t>
+              <a:t>8/10/2023</a:t>
             </a:fld>
             <a:endParaRPr lang="en-US"/>
           </a:p>
@@ -858,7 +863,7 @@
           <a:p>
             <a:fld id="{CC53EE85-7788-44E6-9219-679C74242B41}" type="datetimeFigureOut">
               <a:rPr lang="en-US" smtClean="0"/>
-              <a:t>8/9/2023</a:t>
+              <a:t>8/10/2023</a:t>
             </a:fld>
             <a:endParaRPr lang="en-US"/>
           </a:p>
@@ -1133,7 +1138,7 @@
           <a:p>
             <a:fld id="{CC53EE85-7788-44E6-9219-679C74242B41}" type="datetimeFigureOut">
               <a:rPr lang="en-US" smtClean="0"/>
-              <a:t>8/9/2023</a:t>
+              <a:t>8/10/2023</a:t>
             </a:fld>
             <a:endParaRPr lang="en-US"/>
           </a:p>
@@ -1398,7 +1403,7 @@
           <a:p>
             <a:fld id="{CC53EE85-7788-44E6-9219-679C74242B41}" type="datetimeFigureOut">
               <a:rPr lang="en-US" smtClean="0"/>
-              <a:t>8/9/2023</a:t>
+              <a:t>8/10/2023</a:t>
             </a:fld>
             <a:endParaRPr lang="en-US"/>
           </a:p>
@@ -1810,7 +1815,7 @@
           <a:p>
             <a:fld id="{CC53EE85-7788-44E6-9219-679C74242B41}" type="datetimeFigureOut">
               <a:rPr lang="en-US" smtClean="0"/>
-              <a:t>8/9/2023</a:t>
+              <a:t>8/10/2023</a:t>
             </a:fld>
             <a:endParaRPr lang="en-US"/>
           </a:p>
@@ -1951,7 +1956,7 @@
           <a:p>
             <a:fld id="{CC53EE85-7788-44E6-9219-679C74242B41}" type="datetimeFigureOut">
               <a:rPr lang="en-US" smtClean="0"/>
-              <a:t>8/9/2023</a:t>
+              <a:t>8/10/2023</a:t>
             </a:fld>
             <a:endParaRPr lang="en-US"/>
           </a:p>
@@ -2064,7 +2069,7 @@
           <a:p>
             <a:fld id="{CC53EE85-7788-44E6-9219-679C74242B41}" type="datetimeFigureOut">
               <a:rPr lang="en-US" smtClean="0"/>
-              <a:t>8/9/2023</a:t>
+              <a:t>8/10/2023</a:t>
             </a:fld>
             <a:endParaRPr lang="en-US"/>
           </a:p>
@@ -2375,7 +2380,7 @@
           <a:p>
             <a:fld id="{CC53EE85-7788-44E6-9219-679C74242B41}" type="datetimeFigureOut">
               <a:rPr lang="en-US" smtClean="0"/>
-              <a:t>8/9/2023</a:t>
+              <a:t>8/10/2023</a:t>
             </a:fld>
             <a:endParaRPr lang="en-US"/>
           </a:p>
@@ -2663,7 +2668,7 @@
           <a:p>
             <a:fld id="{CC53EE85-7788-44E6-9219-679C74242B41}" type="datetimeFigureOut">
               <a:rPr lang="en-US" smtClean="0"/>
-              <a:t>8/9/2023</a:t>
+              <a:t>8/10/2023</a:t>
             </a:fld>
             <a:endParaRPr lang="en-US"/>
           </a:p>
@@ -2904,7 +2909,7 @@
           <a:p>
             <a:fld id="{CC53EE85-7788-44E6-9219-679C74242B41}" type="datetimeFigureOut">
               <a:rPr lang="en-US" smtClean="0"/>
-              <a:t>8/9/2023</a:t>
+              <a:t>8/10/2023</a:t>
             </a:fld>
             <a:endParaRPr lang="en-US"/>
           </a:p>
@@ -3335,8 +3340,8 @@
         </p:nvSpPr>
         <p:spPr>
           <a:xfrm>
-            <a:off x="5133466" y="2540987"/>
-            <a:ext cx="2254216" cy="2419633"/>
+            <a:off x="4831898" y="466381"/>
+            <a:ext cx="2254216" cy="2786407"/>
           </a:xfrm>
           <a:prstGeom prst="rect">
             <a:avLst/>
@@ -3536,7 +3541,7 @@
         </p:nvCxnSpPr>
         <p:spPr>
           <a:xfrm>
-            <a:off x="5290369" y="2962266"/>
+            <a:off x="4988801" y="887660"/>
             <a:ext cx="383458" cy="0"/>
           </a:xfrm>
           <a:prstGeom prst="line">
@@ -3581,7 +3586,7 @@
         </p:nvCxnSpPr>
         <p:spPr>
           <a:xfrm>
-            <a:off x="5290369" y="3304817"/>
+            <a:off x="4988801" y="1233500"/>
             <a:ext cx="383458" cy="0"/>
           </a:xfrm>
           <a:prstGeom prst="line">
@@ -3626,7 +3631,7 @@
         </p:nvSpPr>
         <p:spPr>
           <a:xfrm>
-            <a:off x="5779385" y="2808378"/>
+            <a:off x="5477817" y="733772"/>
             <a:ext cx="1494320" cy="307777"/>
           </a:xfrm>
           <a:prstGeom prst="rect">
@@ -3669,7 +3674,7 @@
         </p:nvSpPr>
         <p:spPr>
           <a:xfrm>
-            <a:off x="5779385" y="3150929"/>
+            <a:off x="5477817" y="1079612"/>
             <a:ext cx="974947" cy="307777"/>
           </a:xfrm>
           <a:prstGeom prst="rect">
@@ -3712,7 +3717,7 @@
         </p:nvSpPr>
         <p:spPr>
           <a:xfrm>
-            <a:off x="5779385" y="4178582"/>
+            <a:off x="5477817" y="2117132"/>
             <a:ext cx="1551055" cy="307777"/>
           </a:xfrm>
           <a:prstGeom prst="rect">
@@ -3755,7 +3760,7 @@
         </p:nvSpPr>
         <p:spPr>
           <a:xfrm>
-            <a:off x="5779385" y="4521133"/>
+            <a:off x="5477817" y="2462972"/>
             <a:ext cx="1494320" cy="307777"/>
           </a:xfrm>
           <a:prstGeom prst="rect">
@@ -3798,7 +3803,7 @@
         </p:nvSpPr>
         <p:spPr>
           <a:xfrm>
-            <a:off x="5779385" y="3836031"/>
+            <a:off x="5477817" y="1771292"/>
             <a:ext cx="1551055" cy="307777"/>
           </a:xfrm>
           <a:prstGeom prst="rect">
@@ -3841,7 +3846,7 @@
         </p:nvSpPr>
         <p:spPr>
           <a:xfrm>
-            <a:off x="5779385" y="3493480"/>
+            <a:off x="5477817" y="1425452"/>
             <a:ext cx="1027845" cy="307777"/>
           </a:xfrm>
           <a:prstGeom prst="rect">
@@ -3886,7 +3891,7 @@
         </p:nvCxnSpPr>
         <p:spPr>
           <a:xfrm>
-            <a:off x="5290369" y="3647368"/>
+            <a:off x="4988801" y="1579340"/>
             <a:ext cx="383458" cy="0"/>
           </a:xfrm>
           <a:prstGeom prst="line">
@@ -3931,7 +3936,7 @@
         </p:nvSpPr>
         <p:spPr>
           <a:xfrm>
-            <a:off x="5400675" y="4254884"/>
+            <a:off x="5090530" y="2193434"/>
             <a:ext cx="180000" cy="155173"/>
           </a:xfrm>
           <a:prstGeom prst="triangle">
@@ -3987,7 +3992,7 @@
         </p:nvSpPr>
         <p:spPr>
           <a:xfrm>
-            <a:off x="5400675" y="4597435"/>
+            <a:off x="5090530" y="2539274"/>
             <a:ext cx="180000" cy="155173"/>
           </a:xfrm>
           <a:prstGeom prst="triangle">
@@ -4043,7 +4048,7 @@
         </p:nvSpPr>
         <p:spPr>
           <a:xfrm>
-            <a:off x="5400675" y="3899919"/>
+            <a:off x="5090530" y="1835180"/>
             <a:ext cx="180000" cy="180000"/>
           </a:xfrm>
           <a:prstGeom prst="diamond">
@@ -4097,7 +4102,7 @@
         </p:nvSpPr>
         <p:spPr>
           <a:xfrm>
-            <a:off x="5972546" y="2540987"/>
+            <a:off x="5670978" y="466381"/>
             <a:ext cx="598241" cy="307777"/>
           </a:xfrm>
           <a:prstGeom prst="rect">
@@ -4126,12 +4131,102 @@
           </a:p>
         </p:txBody>
       </p:sp>
+      <p:sp>
+        <p:nvSpPr>
+          <p:cNvPr id="2" name="TextBox 1">
+            <a:extLst>
+              <a:ext uri="{FF2B5EF4-FFF2-40B4-BE49-F238E27FC236}">
+                <a16:creationId xmlns:a16="http://schemas.microsoft.com/office/drawing/2014/main" id="{77BE403D-BF6A-CB21-CFAA-026977E4DC60}"/>
+              </a:ext>
+            </a:extLst>
+          </p:cNvPr>
+          <p:cNvSpPr txBox="1"/>
+          <p:nvPr/>
+        </p:nvSpPr>
+        <p:spPr>
+          <a:xfrm>
+            <a:off x="5477817" y="2808814"/>
+            <a:ext cx="1494320" cy="307777"/>
+          </a:xfrm>
+          <a:prstGeom prst="rect">
+            <a:avLst/>
+          </a:prstGeom>
+          <a:noFill/>
+        </p:spPr>
+        <p:txBody>
+          <a:bodyPr wrap="square">
+            <a:spAutoFit/>
+          </a:bodyPr>
+          <a:lstStyle/>
+          <a:p>
+            <a:pPr rtl="1"/>
+            <a:r>
+              <a:rPr lang="he-IL" sz="1400" dirty="0">
+                <a:latin typeface="Arial" panose="020B0604020202020204" pitchFamily="34" charset="0"/>
+                <a:cs typeface="Arial" panose="020B0604020202020204" pitchFamily="34" charset="0"/>
+              </a:rPr>
+              <a:t>עמדה קבועה</a:t>
+            </a:r>
+            <a:endParaRPr lang="en-US" sz="1400" dirty="0">
+              <a:latin typeface="Arial" panose="020B0604020202020204" pitchFamily="34" charset="0"/>
+              <a:cs typeface="Arial" panose="020B0604020202020204" pitchFamily="34" charset="0"/>
+            </a:endParaRPr>
+          </a:p>
+        </p:txBody>
+      </p:sp>
+      <p:sp>
+        <p:nvSpPr>
+          <p:cNvPr id="3" name="Rectangle 2">
+            <a:extLst>
+              <a:ext uri="{FF2B5EF4-FFF2-40B4-BE49-F238E27FC236}">
+                <a16:creationId xmlns:a16="http://schemas.microsoft.com/office/drawing/2014/main" id="{EDEAE6D7-9C5D-AD0C-C608-3C6BBBE5903E}"/>
+              </a:ext>
+            </a:extLst>
+          </p:cNvPr>
+          <p:cNvSpPr/>
+          <p:nvPr/>
+        </p:nvSpPr>
+        <p:spPr>
+          <a:xfrm>
+            <a:off x="5072530" y="2854702"/>
+            <a:ext cx="216000" cy="216000"/>
+          </a:xfrm>
+          <a:prstGeom prst="rect">
+            <a:avLst/>
+          </a:prstGeom>
+          <a:noFill/>
+        </p:spPr>
+        <p:style>
+          <a:lnRef idx="2">
+            <a:schemeClr val="accent1">
+              <a:shade val="15000"/>
+            </a:schemeClr>
+          </a:lnRef>
+          <a:fillRef idx="1">
+            <a:schemeClr val="accent1"/>
+          </a:fillRef>
+          <a:effectRef idx="0">
+            <a:schemeClr val="accent1"/>
+          </a:effectRef>
+          <a:fontRef idx="minor">
+            <a:schemeClr val="lt1"/>
+          </a:fontRef>
+        </p:style>
+        <p:txBody>
+          <a:bodyPr rtlCol="0" anchor="ctr"/>
+          <a:lstStyle/>
+          <a:p>
+            <a:pPr algn="ctr"/>
+            <a:endParaRPr lang="en-US"/>
+          </a:p>
+        </p:txBody>
+      </p:sp>
       <p:pic>
         <p:nvPicPr>
-          <p:cNvPr id="36" name="Picture 35">
-            <a:extLst>
-              <a:ext uri="{FF2B5EF4-FFF2-40B4-BE49-F238E27FC236}">
-                <a16:creationId xmlns:a16="http://schemas.microsoft.com/office/drawing/2014/main" id="{B0110665-F7CD-70B7-D1FF-159305829AE7}"/>
+          <p:cNvPr id="4" name="Picture 3">
+            <a:extLst>
+              <a:ext uri="{FF2B5EF4-FFF2-40B4-BE49-F238E27FC236}">
+                <a16:creationId xmlns:a16="http://schemas.microsoft.com/office/drawing/2014/main" id="{42A0F7EF-C360-7DB6-2F92-085073BB345D}"/>
               </a:ext>
             </a:extLst>
           </p:cNvPr>
@@ -4148,8 +4243,8 @@
         </p:blipFill>
         <p:spPr>
           <a:xfrm>
-            <a:off x="6344952" y="3267053"/>
-            <a:ext cx="2261812" cy="2438611"/>
+            <a:off x="4790488" y="3436855"/>
+            <a:ext cx="2255716" cy="2804403"/>
           </a:xfrm>
           <a:prstGeom prst="rect">
             <a:avLst/>
@@ -4158,10 +4253,10 @@
       </p:pic>
       <p:sp>
         <p:nvSpPr>
-          <p:cNvPr id="37" name="TextBox 36">
-            <a:extLst>
-              <a:ext uri="{FF2B5EF4-FFF2-40B4-BE49-F238E27FC236}">
-                <a16:creationId xmlns:a16="http://schemas.microsoft.com/office/drawing/2014/main" id="{05312DE2-F408-81DE-4FA8-AFD069577A4B}"/>
+          <p:cNvPr id="6" name="TextBox 5">
+            <a:extLst>
+              <a:ext uri="{FF2B5EF4-FFF2-40B4-BE49-F238E27FC236}">
+                <a16:creationId xmlns:a16="http://schemas.microsoft.com/office/drawing/2014/main" id="{8346FF65-A4F9-4C9B-E7F2-5F911F0147A1}"/>
               </a:ext>
             </a:extLst>
           </p:cNvPr>
@@ -4170,8 +4265,8 @@
         </p:nvSpPr>
         <p:spPr>
           <a:xfrm>
-            <a:off x="4387965" y="4995394"/>
-            <a:ext cx="535724" cy="646331"/>
+            <a:off x="6975439" y="3755506"/>
+            <a:ext cx="569387" cy="646331"/>
           </a:xfrm>
           <a:prstGeom prst="rect">
             <a:avLst/>
@@ -4185,15 +4280,16 @@
           <a:lstStyle/>
           <a:p>
             <a:r>
-              <a:rPr lang="en-US" dirty="0"/>
-              <a:t>677</a:t>
-            </a:r>
-          </a:p>
-          <a:p>
-            <a:r>
-              <a:rPr lang="en-US" dirty="0"/>
-              <a:t>628</a:t>
-            </a:r>
+              <a:rPr lang="he-IL" dirty="0"/>
+              <a:t>779</a:t>
+            </a:r>
+          </a:p>
+          <a:p>
+            <a:r>
+              <a:rPr lang="he-IL" dirty="0"/>
+              <a:t>627</a:t>
+            </a:r>
+            <a:endParaRPr lang="en-US" dirty="0"/>
           </a:p>
         </p:txBody>
       </p:sp>

--- a/מקרא.pptx
+++ b/מקרא.pptx
@@ -3737,7 +3737,7 @@
                 <a:latin typeface="Arial" panose="020B0604020202020204" pitchFamily="34" charset="0"/>
                 <a:cs typeface="Arial" panose="020B0604020202020204" pitchFamily="34" charset="0"/>
               </a:rPr>
-              <a:t>גלאים מתוכננים נתי</a:t>
+              <a:t>גלאים קיימים נתי</a:t>
             </a:r>
             <a:endParaRPr lang="en-US" sz="1400" dirty="0">
               <a:latin typeface="Arial" panose="020B0604020202020204" pitchFamily="34" charset="0"/>
@@ -3761,7 +3761,7 @@
         <p:spPr>
           <a:xfrm>
             <a:off x="5477817" y="2462972"/>
-            <a:ext cx="1494320" cy="307777"/>
+            <a:ext cx="1551055" cy="307777"/>
           </a:xfrm>
           <a:prstGeom prst="rect">
             <a:avLst/>
@@ -3780,7 +3780,7 @@
                 <a:latin typeface="Arial" panose="020B0604020202020204" pitchFamily="34" charset="0"/>
                 <a:cs typeface="Arial" panose="020B0604020202020204" pitchFamily="34" charset="0"/>
               </a:rPr>
-              <a:t>גלאים קיימים נתי</a:t>
+              <a:t>גלאים מתוכננים נתי</a:t>
             </a:r>
             <a:endParaRPr lang="en-US" sz="1400" dirty="0">
               <a:latin typeface="Arial" panose="020B0604020202020204" pitchFamily="34" charset="0"/>
@@ -4221,12 +4221,140 @@
           </a:p>
         </p:txBody>
       </p:sp>
+      <p:sp>
+        <p:nvSpPr>
+          <p:cNvPr id="6" name="TextBox 5">
+            <a:extLst>
+              <a:ext uri="{FF2B5EF4-FFF2-40B4-BE49-F238E27FC236}">
+                <a16:creationId xmlns:a16="http://schemas.microsoft.com/office/drawing/2014/main" id="{8346FF65-A4F9-4C9B-E7F2-5F911F0147A1}"/>
+              </a:ext>
+            </a:extLst>
+          </p:cNvPr>
+          <p:cNvSpPr txBox="1"/>
+          <p:nvPr/>
+        </p:nvSpPr>
+        <p:spPr>
+          <a:xfrm>
+            <a:off x="6975439" y="3755506"/>
+            <a:ext cx="569387" cy="646331"/>
+          </a:xfrm>
+          <a:prstGeom prst="rect">
+            <a:avLst/>
+          </a:prstGeom>
+          <a:noFill/>
+        </p:spPr>
+        <p:txBody>
+          <a:bodyPr wrap="none" rtlCol="0">
+            <a:spAutoFit/>
+          </a:bodyPr>
+          <a:lstStyle/>
+          <a:p>
+            <a:r>
+              <a:rPr lang="he-IL" dirty="0"/>
+              <a:t>779</a:t>
+            </a:r>
+          </a:p>
+          <a:p>
+            <a:r>
+              <a:rPr lang="he-IL" dirty="0"/>
+              <a:t>627</a:t>
+            </a:r>
+            <a:endParaRPr lang="en-US" dirty="0"/>
+          </a:p>
+        </p:txBody>
+      </p:sp>
+      <p:sp>
+        <p:nvSpPr>
+          <p:cNvPr id="8" name="TextBox 7">
+            <a:extLst>
+              <a:ext uri="{FF2B5EF4-FFF2-40B4-BE49-F238E27FC236}">
+                <a16:creationId xmlns:a16="http://schemas.microsoft.com/office/drawing/2014/main" id="{BA20FDE3-1E2B-A62F-CD19-B0F08AEA41BE}"/>
+              </a:ext>
+            </a:extLst>
+          </p:cNvPr>
+          <p:cNvSpPr txBox="1"/>
+          <p:nvPr/>
+        </p:nvSpPr>
+        <p:spPr>
+          <a:xfrm>
+            <a:off x="7906385" y="1617403"/>
+            <a:ext cx="1551055" cy="307777"/>
+          </a:xfrm>
+          <a:prstGeom prst="rect">
+            <a:avLst/>
+          </a:prstGeom>
+          <a:noFill/>
+        </p:spPr>
+        <p:txBody>
+          <a:bodyPr wrap="square">
+            <a:spAutoFit/>
+          </a:bodyPr>
+          <a:lstStyle/>
+          <a:p>
+            <a:pPr rtl="1"/>
+            <a:r>
+              <a:rPr lang="he-IL" sz="1400" dirty="0">
+                <a:latin typeface="Arial" panose="020B0604020202020204" pitchFamily="34" charset="0"/>
+                <a:cs typeface="Arial" panose="020B0604020202020204" pitchFamily="34" charset="0"/>
+              </a:rPr>
+              <a:t>גלאים מתוכננים נתי</a:t>
+            </a:r>
+            <a:endParaRPr lang="en-US" sz="1400" dirty="0">
+              <a:latin typeface="Arial" panose="020B0604020202020204" pitchFamily="34" charset="0"/>
+              <a:cs typeface="Arial" panose="020B0604020202020204" pitchFamily="34" charset="0"/>
+            </a:endParaRPr>
+          </a:p>
+        </p:txBody>
+      </p:sp>
+      <p:sp>
+        <p:nvSpPr>
+          <p:cNvPr id="10" name="TextBox 9">
+            <a:extLst>
+              <a:ext uri="{FF2B5EF4-FFF2-40B4-BE49-F238E27FC236}">
+                <a16:creationId xmlns:a16="http://schemas.microsoft.com/office/drawing/2014/main" id="{58CB57D5-A5ED-F599-09BC-A999E3F8DE55}"/>
+              </a:ext>
+            </a:extLst>
+          </p:cNvPr>
+          <p:cNvSpPr txBox="1"/>
+          <p:nvPr/>
+        </p:nvSpPr>
+        <p:spPr>
+          <a:xfrm>
+            <a:off x="7906385" y="1963243"/>
+            <a:ext cx="1494320" cy="307777"/>
+          </a:xfrm>
+          <a:prstGeom prst="rect">
+            <a:avLst/>
+          </a:prstGeom>
+          <a:noFill/>
+        </p:spPr>
+        <p:txBody>
+          <a:bodyPr wrap="square">
+            <a:spAutoFit/>
+          </a:bodyPr>
+          <a:lstStyle/>
+          <a:p>
+            <a:pPr rtl="1"/>
+            <a:r>
+              <a:rPr lang="he-IL" sz="1400" dirty="0">
+                <a:latin typeface="Arial" panose="020B0604020202020204" pitchFamily="34" charset="0"/>
+                <a:cs typeface="Arial" panose="020B0604020202020204" pitchFamily="34" charset="0"/>
+              </a:rPr>
+              <a:t>גלאים קיימים נתי</a:t>
+            </a:r>
+            <a:endParaRPr lang="en-US" sz="1400" dirty="0">
+              <a:latin typeface="Arial" panose="020B0604020202020204" pitchFamily="34" charset="0"/>
+              <a:cs typeface="Arial" panose="020B0604020202020204" pitchFamily="34" charset="0"/>
+            </a:endParaRPr>
+          </a:p>
+        </p:txBody>
+      </p:sp>
       <p:pic>
         <p:nvPicPr>
-          <p:cNvPr id="4" name="Picture 3">
-            <a:extLst>
-              <a:ext uri="{FF2B5EF4-FFF2-40B4-BE49-F238E27FC236}">
-                <a16:creationId xmlns:a16="http://schemas.microsoft.com/office/drawing/2014/main" id="{42A0F7EF-C360-7DB6-2F92-085073BB345D}"/>
+          <p:cNvPr id="12" name="Picture 11">
+            <a:extLst>
+              <a:ext uri="{FF2B5EF4-FFF2-40B4-BE49-F238E27FC236}">
+                <a16:creationId xmlns:a16="http://schemas.microsoft.com/office/drawing/2014/main" id="{8FC73BD2-AC55-8BBC-EF4B-2113768E82AD}"/>
               </a:ext>
             </a:extLst>
           </p:cNvPr>
@@ -4243,7 +4371,7 @@
         </p:blipFill>
         <p:spPr>
           <a:xfrm>
-            <a:off x="4790488" y="3436855"/>
+            <a:off x="4464959" y="3478565"/>
             <a:ext cx="2255716" cy="2804403"/>
           </a:xfrm>
           <a:prstGeom prst="rect">
@@ -4251,48 +4379,6 @@
           </a:prstGeom>
         </p:spPr>
       </p:pic>
-      <p:sp>
-        <p:nvSpPr>
-          <p:cNvPr id="6" name="TextBox 5">
-            <a:extLst>
-              <a:ext uri="{FF2B5EF4-FFF2-40B4-BE49-F238E27FC236}">
-                <a16:creationId xmlns:a16="http://schemas.microsoft.com/office/drawing/2014/main" id="{8346FF65-A4F9-4C9B-E7F2-5F911F0147A1}"/>
-              </a:ext>
-            </a:extLst>
-          </p:cNvPr>
-          <p:cNvSpPr txBox="1"/>
-          <p:nvPr/>
-        </p:nvSpPr>
-        <p:spPr>
-          <a:xfrm>
-            <a:off x="6975439" y="3755506"/>
-            <a:ext cx="569387" cy="646331"/>
-          </a:xfrm>
-          <a:prstGeom prst="rect">
-            <a:avLst/>
-          </a:prstGeom>
-          <a:noFill/>
-        </p:spPr>
-        <p:txBody>
-          <a:bodyPr wrap="none" rtlCol="0">
-            <a:spAutoFit/>
-          </a:bodyPr>
-          <a:lstStyle/>
-          <a:p>
-            <a:r>
-              <a:rPr lang="he-IL" dirty="0"/>
-              <a:t>779</a:t>
-            </a:r>
-          </a:p>
-          <a:p>
-            <a:r>
-              <a:rPr lang="he-IL" dirty="0"/>
-              <a:t>627</a:t>
-            </a:r>
-            <a:endParaRPr lang="en-US" dirty="0"/>
-          </a:p>
-        </p:txBody>
-      </p:sp>
     </p:spTree>
     <p:extLst>
       <p:ext uri="{BB962C8B-B14F-4D97-AF65-F5344CB8AC3E}">

--- a/מקרא.pptx
+++ b/מקרא.pptx
@@ -6,6 +6,7 @@
   </p:sldMasterIdLst>
   <p:sldIdLst>
     <p:sldId id="256" r:id="rId2"/>
+    <p:sldId id="257" r:id="rId3"/>
   </p:sldIdLst>
   <p:sldSz cx="12192000" cy="6858000"/>
   <p:notesSz cx="6858000" cy="9144000"/>
@@ -259,7 +260,7 @@
           <a:p>
             <a:fld id="{CC53EE85-7788-44E6-9219-679C74242B41}" type="datetimeFigureOut">
               <a:rPr lang="en-US" smtClean="0"/>
-              <a:t>8/10/2023</a:t>
+              <a:t>9/2/2023</a:t>
             </a:fld>
             <a:endParaRPr lang="en-US"/>
           </a:p>
@@ -457,7 +458,7 @@
           <a:p>
             <a:fld id="{CC53EE85-7788-44E6-9219-679C74242B41}" type="datetimeFigureOut">
               <a:rPr lang="en-US" smtClean="0"/>
-              <a:t>8/10/2023</a:t>
+              <a:t>9/2/2023</a:t>
             </a:fld>
             <a:endParaRPr lang="en-US"/>
           </a:p>
@@ -665,7 +666,7 @@
           <a:p>
             <a:fld id="{CC53EE85-7788-44E6-9219-679C74242B41}" type="datetimeFigureOut">
               <a:rPr lang="en-US" smtClean="0"/>
-              <a:t>8/10/2023</a:t>
+              <a:t>9/2/2023</a:t>
             </a:fld>
             <a:endParaRPr lang="en-US"/>
           </a:p>
@@ -863,7 +864,7 @@
           <a:p>
             <a:fld id="{CC53EE85-7788-44E6-9219-679C74242B41}" type="datetimeFigureOut">
               <a:rPr lang="en-US" smtClean="0"/>
-              <a:t>8/10/2023</a:t>
+              <a:t>9/2/2023</a:t>
             </a:fld>
             <a:endParaRPr lang="en-US"/>
           </a:p>
@@ -1138,7 +1139,7 @@
           <a:p>
             <a:fld id="{CC53EE85-7788-44E6-9219-679C74242B41}" type="datetimeFigureOut">
               <a:rPr lang="en-US" smtClean="0"/>
-              <a:t>8/10/2023</a:t>
+              <a:t>9/2/2023</a:t>
             </a:fld>
             <a:endParaRPr lang="en-US"/>
           </a:p>
@@ -1403,7 +1404,7 @@
           <a:p>
             <a:fld id="{CC53EE85-7788-44E6-9219-679C74242B41}" type="datetimeFigureOut">
               <a:rPr lang="en-US" smtClean="0"/>
-              <a:t>8/10/2023</a:t>
+              <a:t>9/2/2023</a:t>
             </a:fld>
             <a:endParaRPr lang="en-US"/>
           </a:p>
@@ -1815,7 +1816,7 @@
           <a:p>
             <a:fld id="{CC53EE85-7788-44E6-9219-679C74242B41}" type="datetimeFigureOut">
               <a:rPr lang="en-US" smtClean="0"/>
-              <a:t>8/10/2023</a:t>
+              <a:t>9/2/2023</a:t>
             </a:fld>
             <a:endParaRPr lang="en-US"/>
           </a:p>
@@ -1956,7 +1957,7 @@
           <a:p>
             <a:fld id="{CC53EE85-7788-44E6-9219-679C74242B41}" type="datetimeFigureOut">
               <a:rPr lang="en-US" smtClean="0"/>
-              <a:t>8/10/2023</a:t>
+              <a:t>9/2/2023</a:t>
             </a:fld>
             <a:endParaRPr lang="en-US"/>
           </a:p>
@@ -2069,7 +2070,7 @@
           <a:p>
             <a:fld id="{CC53EE85-7788-44E6-9219-679C74242B41}" type="datetimeFigureOut">
               <a:rPr lang="en-US" smtClean="0"/>
-              <a:t>8/10/2023</a:t>
+              <a:t>9/2/2023</a:t>
             </a:fld>
             <a:endParaRPr lang="en-US"/>
           </a:p>
@@ -2380,7 +2381,7 @@
           <a:p>
             <a:fld id="{CC53EE85-7788-44E6-9219-679C74242B41}" type="datetimeFigureOut">
               <a:rPr lang="en-US" smtClean="0"/>
-              <a:t>8/10/2023</a:t>
+              <a:t>9/2/2023</a:t>
             </a:fld>
             <a:endParaRPr lang="en-US"/>
           </a:p>
@@ -2668,7 +2669,7 @@
           <a:p>
             <a:fld id="{CC53EE85-7788-44E6-9219-679C74242B41}" type="datetimeFigureOut">
               <a:rPr lang="en-US" smtClean="0"/>
-              <a:t>8/10/2023</a:t>
+              <a:t>9/2/2023</a:t>
             </a:fld>
             <a:endParaRPr lang="en-US"/>
           </a:p>
@@ -2909,7 +2910,7 @@
           <a:p>
             <a:fld id="{CC53EE85-7788-44E6-9219-679C74242B41}" type="datetimeFigureOut">
               <a:rPr lang="en-US" smtClean="0"/>
-              <a:t>8/10/2023</a:t>
+              <a:t>9/2/2023</a:t>
             </a:fld>
             <a:endParaRPr lang="en-US"/>
           </a:p>
@@ -3340,7 +3341,7 @@
         </p:nvSpPr>
         <p:spPr>
           <a:xfrm>
-            <a:off x="4831898" y="466381"/>
+            <a:off x="4821350" y="460031"/>
             <a:ext cx="2254216" cy="2786407"/>
           </a:xfrm>
           <a:prstGeom prst="rect">
@@ -3376,155 +3377,6 @@
           </a:p>
         </p:txBody>
       </p:sp>
-      <p:pic>
-        <p:nvPicPr>
-          <p:cNvPr id="5" name="Picture 4">
-            <a:extLst>
-              <a:ext uri="{FF2B5EF4-FFF2-40B4-BE49-F238E27FC236}">
-                <a16:creationId xmlns:a16="http://schemas.microsoft.com/office/drawing/2014/main" id="{7807C929-BBDA-7DE4-E327-E4166ABB562E}"/>
-              </a:ext>
-            </a:extLst>
-          </p:cNvPr>
-          <p:cNvPicPr>
-            <a:picLocks noChangeAspect="1"/>
-          </p:cNvPicPr>
-          <p:nvPr/>
-        </p:nvPicPr>
-        <p:blipFill>
-          <a:blip r:embed="rId2"/>
-          <a:stretch>
-            <a:fillRect/>
-          </a:stretch>
-        </p:blipFill>
-        <p:spPr>
-          <a:xfrm>
-            <a:off x="3015311" y="4728346"/>
-            <a:ext cx="161948" cy="152421"/>
-          </a:xfrm>
-          <a:prstGeom prst="rect">
-            <a:avLst/>
-          </a:prstGeom>
-        </p:spPr>
-      </p:pic>
-      <p:pic>
-        <p:nvPicPr>
-          <p:cNvPr id="7" name="Picture 6">
-            <a:extLst>
-              <a:ext uri="{FF2B5EF4-FFF2-40B4-BE49-F238E27FC236}">
-                <a16:creationId xmlns:a16="http://schemas.microsoft.com/office/drawing/2014/main" id="{E7B69B2C-A16C-6E28-B6BF-81E768D8E9B1}"/>
-              </a:ext>
-            </a:extLst>
-          </p:cNvPr>
-          <p:cNvPicPr>
-            <a:picLocks noChangeAspect="1"/>
-          </p:cNvPicPr>
-          <p:nvPr/>
-        </p:nvPicPr>
-        <p:blipFill>
-          <a:blip r:embed="rId3"/>
-          <a:stretch>
-            <a:fillRect/>
-          </a:stretch>
-        </p:blipFill>
-        <p:spPr>
-          <a:xfrm>
-            <a:off x="2469994" y="5468519"/>
-            <a:ext cx="371527" cy="323895"/>
-          </a:xfrm>
-          <a:prstGeom prst="rect">
-            <a:avLst/>
-          </a:prstGeom>
-        </p:spPr>
-      </p:pic>
-      <p:pic>
-        <p:nvPicPr>
-          <p:cNvPr id="9" name="Picture 8">
-            <a:extLst>
-              <a:ext uri="{FF2B5EF4-FFF2-40B4-BE49-F238E27FC236}">
-                <a16:creationId xmlns:a16="http://schemas.microsoft.com/office/drawing/2014/main" id="{DFD5A53A-5933-0D9C-6C01-5559FC29B877}"/>
-              </a:ext>
-            </a:extLst>
-          </p:cNvPr>
-          <p:cNvPicPr>
-            <a:picLocks noChangeAspect="1"/>
-          </p:cNvPicPr>
-          <p:nvPr/>
-        </p:nvPicPr>
-        <p:blipFill>
-          <a:blip r:embed="rId4"/>
-          <a:stretch>
-            <a:fillRect/>
-          </a:stretch>
-        </p:blipFill>
-        <p:spPr>
-          <a:xfrm>
-            <a:off x="1841257" y="1218891"/>
-            <a:ext cx="2000529" cy="2210108"/>
-          </a:xfrm>
-          <a:prstGeom prst="rect">
-            <a:avLst/>
-          </a:prstGeom>
-        </p:spPr>
-      </p:pic>
-      <p:pic>
-        <p:nvPicPr>
-          <p:cNvPr id="11" name="Picture 10">
-            <a:extLst>
-              <a:ext uri="{FF2B5EF4-FFF2-40B4-BE49-F238E27FC236}">
-                <a16:creationId xmlns:a16="http://schemas.microsoft.com/office/drawing/2014/main" id="{6002572D-E715-DD5B-B83A-B4953111E8D4}"/>
-              </a:ext>
-            </a:extLst>
-          </p:cNvPr>
-          <p:cNvPicPr>
-            <a:picLocks noChangeAspect="1"/>
-          </p:cNvPicPr>
-          <p:nvPr/>
-        </p:nvPicPr>
-        <p:blipFill>
-          <a:blip r:embed="rId5"/>
-          <a:stretch>
-            <a:fillRect/>
-          </a:stretch>
-        </p:blipFill>
-        <p:spPr>
-          <a:xfrm>
-            <a:off x="2429442" y="3826225"/>
-            <a:ext cx="666843" cy="504895"/>
-          </a:xfrm>
-          <a:prstGeom prst="rect">
-            <a:avLst/>
-          </a:prstGeom>
-        </p:spPr>
-      </p:pic>
-      <p:pic>
-        <p:nvPicPr>
-          <p:cNvPr id="13" name="Picture 12">
-            <a:extLst>
-              <a:ext uri="{FF2B5EF4-FFF2-40B4-BE49-F238E27FC236}">
-                <a16:creationId xmlns:a16="http://schemas.microsoft.com/office/drawing/2014/main" id="{150636F4-F94E-61CF-C0D7-176AB29C9D42}"/>
-              </a:ext>
-            </a:extLst>
-          </p:cNvPr>
-          <p:cNvPicPr>
-            <a:picLocks noChangeAspect="1"/>
-          </p:cNvPicPr>
-          <p:nvPr/>
-        </p:nvPicPr>
-        <p:blipFill rotWithShape="1">
-          <a:blip r:embed="rId6"/>
-          <a:srcRect l="12916"/>
-          <a:stretch/>
-        </p:blipFill>
-        <p:spPr>
-          <a:xfrm>
-            <a:off x="9596876" y="2338869"/>
-            <a:ext cx="2254216" cy="2210107"/>
-          </a:xfrm>
-          <a:prstGeom prst="rect">
-            <a:avLst/>
-          </a:prstGeom>
-        </p:spPr>
-      </p:pic>
       <p:cxnSp>
         <p:nvCxnSpPr>
           <p:cNvPr id="15" name="Straight Connector 14">
@@ -3541,7 +3393,7 @@
         </p:nvCxnSpPr>
         <p:spPr>
           <a:xfrm>
-            <a:off x="4988801" y="887660"/>
+            <a:off x="4988801" y="1092171"/>
             <a:ext cx="383458" cy="0"/>
           </a:xfrm>
           <a:prstGeom prst="line">
@@ -3586,7 +3438,7 @@
         </p:nvCxnSpPr>
         <p:spPr>
           <a:xfrm>
-            <a:off x="4988801" y="1233500"/>
+            <a:off x="4988801" y="1303862"/>
             <a:ext cx="383458" cy="0"/>
           </a:xfrm>
           <a:prstGeom prst="line">
@@ -3631,8 +3483,8 @@
         </p:nvSpPr>
         <p:spPr>
           <a:xfrm>
-            <a:off x="5477817" y="733772"/>
-            <a:ext cx="1494320" cy="307777"/>
+            <a:off x="5477817" y="953672"/>
+            <a:ext cx="1350050" cy="276999"/>
           </a:xfrm>
           <a:prstGeom prst="rect">
             <a:avLst/>
@@ -3645,15 +3497,15 @@
           </a:bodyPr>
           <a:lstStyle/>
           <a:p>
-            <a:pPr algn="r" rtl="1"/>
-            <a:r>
-              <a:rPr lang="he-IL" sz="1400" dirty="0">
+            <a:pPr rtl="1"/>
+            <a:r>
+              <a:rPr lang="he-IL" sz="1200" b="1" dirty="0">
                 <a:latin typeface="Arial" panose="020B0604020202020204" pitchFamily="34" charset="0"/>
                 <a:cs typeface="Arial" panose="020B0604020202020204" pitchFamily="34" charset="0"/>
               </a:rPr>
               <a:t>דרך מהירה/ראשית</a:t>
             </a:r>
-            <a:endParaRPr lang="en-US" sz="1400" dirty="0">
+            <a:endParaRPr lang="en-US" sz="1200" b="1" dirty="0">
               <a:latin typeface="Arial" panose="020B0604020202020204" pitchFamily="34" charset="0"/>
               <a:cs typeface="Arial" panose="020B0604020202020204" pitchFamily="34" charset="0"/>
             </a:endParaRPr>
@@ -3674,8 +3526,8 @@
         </p:nvSpPr>
         <p:spPr>
           <a:xfrm>
-            <a:off x="5477817" y="1079612"/>
-            <a:ext cx="974947" cy="307777"/>
+            <a:off x="5477817" y="1165363"/>
+            <a:ext cx="894797" cy="276999"/>
           </a:xfrm>
           <a:prstGeom prst="rect">
             <a:avLst/>
@@ -3688,15 +3540,15 @@
           </a:bodyPr>
           <a:lstStyle/>
           <a:p>
-            <a:pPr algn="r" rtl="1"/>
-            <a:r>
-              <a:rPr lang="he-IL" sz="1400" dirty="0">
+            <a:pPr rtl="1"/>
+            <a:r>
+              <a:rPr lang="he-IL" sz="1200" b="1" dirty="0">
                 <a:latin typeface="Arial" panose="020B0604020202020204" pitchFamily="34" charset="0"/>
                 <a:cs typeface="Arial" panose="020B0604020202020204" pitchFamily="34" charset="0"/>
               </a:rPr>
               <a:t>דרך אזורית</a:t>
             </a:r>
-            <a:endParaRPr lang="en-US" sz="1400" dirty="0">
+            <a:endParaRPr lang="en-US" sz="1200" b="1" dirty="0">
               <a:latin typeface="Arial" panose="020B0604020202020204" pitchFamily="34" charset="0"/>
               <a:cs typeface="Arial" panose="020B0604020202020204" pitchFamily="34" charset="0"/>
             </a:endParaRPr>
@@ -3717,8 +3569,8 @@
         </p:nvSpPr>
         <p:spPr>
           <a:xfrm>
-            <a:off x="5477817" y="2117132"/>
-            <a:ext cx="1551055" cy="307777"/>
+            <a:off x="5477817" y="2152789"/>
+            <a:ext cx="1551055" cy="276999"/>
           </a:xfrm>
           <a:prstGeom prst="rect">
             <a:avLst/>
@@ -3733,13 +3585,13 @@
           <a:p>
             <a:pPr rtl="1"/>
             <a:r>
-              <a:rPr lang="he-IL" sz="1400" dirty="0">
+              <a:rPr lang="he-IL" sz="1200" b="1" dirty="0">
                 <a:latin typeface="Arial" panose="020B0604020202020204" pitchFamily="34" charset="0"/>
                 <a:cs typeface="Arial" panose="020B0604020202020204" pitchFamily="34" charset="0"/>
               </a:rPr>
-              <a:t>גלאים קיימים נתי</a:t>
-            </a:r>
-            <a:endParaRPr lang="en-US" sz="1400" dirty="0">
+              <a:t>לולאה</a:t>
+            </a:r>
+            <a:endParaRPr lang="en-US" sz="1200" b="1" dirty="0">
               <a:latin typeface="Arial" panose="020B0604020202020204" pitchFamily="34" charset="0"/>
               <a:cs typeface="Arial" panose="020B0604020202020204" pitchFamily="34" charset="0"/>
             </a:endParaRPr>
@@ -3760,8 +3612,8 @@
         </p:nvSpPr>
         <p:spPr>
           <a:xfrm>
-            <a:off x="5477817" y="2462972"/>
-            <a:ext cx="1551055" cy="307777"/>
+            <a:off x="5477817" y="2380288"/>
+            <a:ext cx="1551055" cy="276999"/>
           </a:xfrm>
           <a:prstGeom prst="rect">
             <a:avLst/>
@@ -3776,13 +3628,13 @@
           <a:p>
             <a:pPr rtl="1"/>
             <a:r>
-              <a:rPr lang="he-IL" sz="1400" dirty="0">
+              <a:rPr lang="he-IL" sz="1200" b="1" dirty="0">
                 <a:latin typeface="Arial" panose="020B0604020202020204" pitchFamily="34" charset="0"/>
                 <a:cs typeface="Arial" panose="020B0604020202020204" pitchFamily="34" charset="0"/>
               </a:rPr>
-              <a:t>גלאים מתוכננים נתי</a:t>
-            </a:r>
-            <a:endParaRPr lang="en-US" sz="1400" dirty="0">
+              <a:t>מיקרוגל</a:t>
+            </a:r>
+            <a:endParaRPr lang="en-US" sz="1200" b="1" dirty="0">
               <a:latin typeface="Arial" panose="020B0604020202020204" pitchFamily="34" charset="0"/>
               <a:cs typeface="Arial" panose="020B0604020202020204" pitchFamily="34" charset="0"/>
             </a:endParaRPr>
@@ -3803,8 +3655,8 @@
         </p:nvSpPr>
         <p:spPr>
           <a:xfrm>
-            <a:off x="5477817" y="1771292"/>
-            <a:ext cx="1551055" cy="307777"/>
+            <a:off x="5477817" y="1588745"/>
+            <a:ext cx="1551055" cy="276999"/>
           </a:xfrm>
           <a:prstGeom prst="rect">
             <a:avLst/>
@@ -3819,13 +3671,13 @@
           <a:p>
             <a:pPr rtl="1"/>
             <a:r>
-              <a:rPr lang="he-IL" sz="1400" dirty="0">
+              <a:rPr lang="he-IL" sz="1200" b="1" dirty="0">
                 <a:latin typeface="Arial" panose="020B0604020202020204" pitchFamily="34" charset="0"/>
                 <a:cs typeface="Arial" panose="020B0604020202020204" pitchFamily="34" charset="0"/>
               </a:rPr>
               <a:t>תחנות ספירה למס</a:t>
             </a:r>
-            <a:endParaRPr lang="en-US" sz="1400" dirty="0">
+            <a:endParaRPr lang="en-US" sz="1200" b="1" dirty="0">
               <a:latin typeface="Arial" panose="020B0604020202020204" pitchFamily="34" charset="0"/>
               <a:cs typeface="Arial" panose="020B0604020202020204" pitchFamily="34" charset="0"/>
             </a:endParaRPr>
@@ -3846,8 +3698,8 @@
         </p:nvSpPr>
         <p:spPr>
           <a:xfrm>
-            <a:off x="5477817" y="1425452"/>
-            <a:ext cx="1027845" cy="307777"/>
+            <a:off x="5477817" y="1377054"/>
+            <a:ext cx="941283" cy="276999"/>
           </a:xfrm>
           <a:prstGeom prst="rect">
             <a:avLst/>
@@ -3860,15 +3712,14 @@
           </a:bodyPr>
           <a:lstStyle/>
           <a:p>
-            <a:pPr algn="l"/>
-            <a:r>
-              <a:rPr lang="he-IL" sz="1400" dirty="0">
+            <a:r>
+              <a:rPr lang="he-IL" sz="1200" b="1" dirty="0">
                 <a:latin typeface="Arial" panose="020B0604020202020204" pitchFamily="34" charset="0"/>
                 <a:cs typeface="Arial" panose="020B0604020202020204" pitchFamily="34" charset="0"/>
               </a:rPr>
               <a:t>דרך מקומית</a:t>
             </a:r>
-            <a:endParaRPr lang="en-US" sz="1400" dirty="0">
+            <a:endParaRPr lang="en-US" sz="1200" b="1" dirty="0">
               <a:latin typeface="Arial" panose="020B0604020202020204" pitchFamily="34" charset="0"/>
               <a:cs typeface="Arial" panose="020B0604020202020204" pitchFamily="34" charset="0"/>
             </a:endParaRPr>
@@ -3891,7 +3742,7 @@
         </p:nvCxnSpPr>
         <p:spPr>
           <a:xfrm>
-            <a:off x="4988801" y="1579340"/>
+            <a:off x="4988801" y="1515553"/>
             <a:ext cx="383458" cy="0"/>
           </a:xfrm>
           <a:prstGeom prst="line">
@@ -3936,14 +3787,14 @@
         </p:nvSpPr>
         <p:spPr>
           <a:xfrm>
-            <a:off x="5090530" y="2193434"/>
+            <a:off x="5090530" y="2213702"/>
             <a:ext cx="180000" cy="155173"/>
           </a:xfrm>
           <a:prstGeom prst="triangle">
             <a:avLst/>
           </a:prstGeom>
           <a:solidFill>
-            <a:srgbClr val="FECBD4"/>
+            <a:srgbClr val="FF0000"/>
           </a:solidFill>
           <a:ln>
             <a:solidFill>
@@ -3972,7 +3823,7 @@
           <a:lstStyle/>
           <a:p>
             <a:pPr algn="ctr"/>
-            <a:endParaRPr lang="en-US"/>
+            <a:endParaRPr lang="en-US" sz="1600" b="1"/>
           </a:p>
         </p:txBody>
       </p:sp>
@@ -3992,7 +3843,7 @@
         </p:nvSpPr>
         <p:spPr>
           <a:xfrm>
-            <a:off x="5090530" y="2539274"/>
+            <a:off x="5090530" y="2441201"/>
             <a:ext cx="180000" cy="155173"/>
           </a:xfrm>
           <a:prstGeom prst="triangle">
@@ -4028,7 +3879,7 @@
           <a:lstStyle/>
           <a:p>
             <a:pPr algn="ctr"/>
-            <a:endParaRPr lang="en-US"/>
+            <a:endParaRPr lang="en-US" sz="1600" b="1"/>
           </a:p>
         </p:txBody>
       </p:sp>
@@ -4048,7 +3899,7 @@
         </p:nvSpPr>
         <p:spPr>
           <a:xfrm>
-            <a:off x="5090530" y="1835180"/>
+            <a:off x="5090530" y="1637244"/>
             <a:ext cx="180000" cy="180000"/>
           </a:xfrm>
           <a:prstGeom prst="diamond">
@@ -4084,7 +3935,7 @@
           <a:lstStyle/>
           <a:p>
             <a:pPr algn="ctr"/>
-            <a:endParaRPr lang="en-US"/>
+            <a:endParaRPr lang="en-US" sz="1600" b="1"/>
           </a:p>
         </p:txBody>
       </p:sp>
@@ -4102,8 +3953,8 @@
         </p:nvSpPr>
         <p:spPr>
           <a:xfrm>
-            <a:off x="5670978" y="466381"/>
-            <a:ext cx="598241" cy="307777"/>
+            <a:off x="5678993" y="466381"/>
+            <a:ext cx="538930" cy="276999"/>
           </a:xfrm>
           <a:prstGeom prst="rect">
             <a:avLst/>
@@ -4118,13 +3969,13 @@
           <a:p>
             <a:pPr algn="r" rtl="1"/>
             <a:r>
-              <a:rPr lang="he-IL" sz="1400" b="1" dirty="0">
+              <a:rPr lang="he-IL" sz="1200" b="1" dirty="0">
                 <a:latin typeface="Arial" panose="020B0604020202020204" pitchFamily="34" charset="0"/>
                 <a:cs typeface="Arial" panose="020B0604020202020204" pitchFamily="34" charset="0"/>
               </a:rPr>
               <a:t>מקרא</a:t>
             </a:r>
-            <a:endParaRPr lang="en-US" sz="1400" b="1" dirty="0">
+            <a:endParaRPr lang="en-US" sz="1200" b="1" dirty="0">
               <a:latin typeface="Arial" panose="020B0604020202020204" pitchFamily="34" charset="0"/>
               <a:cs typeface="Arial" panose="020B0604020202020204" pitchFamily="34" charset="0"/>
             </a:endParaRPr>
@@ -4145,8 +3996,8 @@
         </p:nvSpPr>
         <p:spPr>
           <a:xfrm>
-            <a:off x="5477817" y="2808814"/>
-            <a:ext cx="1494320" cy="307777"/>
+            <a:off x="5477817" y="2871866"/>
+            <a:ext cx="1494320" cy="276999"/>
           </a:xfrm>
           <a:prstGeom prst="rect">
             <a:avLst/>
@@ -4161,13 +4012,13 @@
           <a:p>
             <a:pPr rtl="1"/>
             <a:r>
-              <a:rPr lang="he-IL" sz="1400" dirty="0">
+              <a:rPr lang="he-IL" sz="1200" b="1" dirty="0">
                 <a:latin typeface="Arial" panose="020B0604020202020204" pitchFamily="34" charset="0"/>
                 <a:cs typeface="Arial" panose="020B0604020202020204" pitchFamily="34" charset="0"/>
               </a:rPr>
               <a:t>עמדה קבועה</a:t>
             </a:r>
-            <a:endParaRPr lang="en-US" sz="1400" dirty="0">
+            <a:endParaRPr lang="en-US" sz="1200" b="1" dirty="0">
               <a:latin typeface="Arial" panose="020B0604020202020204" pitchFamily="34" charset="0"/>
               <a:cs typeface="Arial" panose="020B0604020202020204" pitchFamily="34" charset="0"/>
             </a:endParaRPr>
@@ -4188,7 +4039,7 @@
         </p:nvSpPr>
         <p:spPr>
           <a:xfrm>
-            <a:off x="5072530" y="2854702"/>
+            <a:off x="5072530" y="2917754"/>
             <a:ext cx="216000" cy="216000"/>
           </a:xfrm>
           <a:prstGeom prst="rect">
@@ -4217,6 +4068,1268 @@
           <a:lstStyle/>
           <a:p>
             <a:pPr algn="ctr"/>
+            <a:endParaRPr lang="en-US" sz="1600" b="1"/>
+          </a:p>
+        </p:txBody>
+      </p:sp>
+      <p:sp>
+        <p:nvSpPr>
+          <p:cNvPr id="8" name="TextBox 7">
+            <a:extLst>
+              <a:ext uri="{FF2B5EF4-FFF2-40B4-BE49-F238E27FC236}">
+                <a16:creationId xmlns:a16="http://schemas.microsoft.com/office/drawing/2014/main" id="{BA20FDE3-1E2B-A62F-CD19-B0F08AEA41BE}"/>
+              </a:ext>
+            </a:extLst>
+          </p:cNvPr>
+          <p:cNvSpPr txBox="1"/>
+          <p:nvPr/>
+        </p:nvSpPr>
+        <p:spPr>
+          <a:xfrm>
+            <a:off x="9518369" y="1589320"/>
+            <a:ext cx="1551055" cy="307777"/>
+          </a:xfrm>
+          <a:prstGeom prst="rect">
+            <a:avLst/>
+          </a:prstGeom>
+          <a:noFill/>
+        </p:spPr>
+        <p:txBody>
+          <a:bodyPr wrap="square">
+            <a:spAutoFit/>
+          </a:bodyPr>
+          <a:lstStyle/>
+          <a:p>
+            <a:pPr rtl="1"/>
+            <a:r>
+              <a:rPr lang="he-IL" sz="1400" dirty="0">
+                <a:latin typeface="Arial" panose="020B0604020202020204" pitchFamily="34" charset="0"/>
+                <a:cs typeface="Arial" panose="020B0604020202020204" pitchFamily="34" charset="0"/>
+              </a:rPr>
+              <a:t>גלאים מתוכננים נתי</a:t>
+            </a:r>
+            <a:endParaRPr lang="en-US" sz="1400" dirty="0">
+              <a:latin typeface="Arial" panose="020B0604020202020204" pitchFamily="34" charset="0"/>
+              <a:cs typeface="Arial" panose="020B0604020202020204" pitchFamily="34" charset="0"/>
+            </a:endParaRPr>
+          </a:p>
+        </p:txBody>
+      </p:sp>
+      <p:sp>
+        <p:nvSpPr>
+          <p:cNvPr id="10" name="TextBox 9">
+            <a:extLst>
+              <a:ext uri="{FF2B5EF4-FFF2-40B4-BE49-F238E27FC236}">
+                <a16:creationId xmlns:a16="http://schemas.microsoft.com/office/drawing/2014/main" id="{58CB57D5-A5ED-F599-09BC-A999E3F8DE55}"/>
+              </a:ext>
+            </a:extLst>
+          </p:cNvPr>
+          <p:cNvSpPr txBox="1"/>
+          <p:nvPr/>
+        </p:nvSpPr>
+        <p:spPr>
+          <a:xfrm>
+            <a:off x="9518369" y="1935160"/>
+            <a:ext cx="1494320" cy="307777"/>
+          </a:xfrm>
+          <a:prstGeom prst="rect">
+            <a:avLst/>
+          </a:prstGeom>
+          <a:noFill/>
+        </p:spPr>
+        <p:txBody>
+          <a:bodyPr wrap="square">
+            <a:spAutoFit/>
+          </a:bodyPr>
+          <a:lstStyle/>
+          <a:p>
+            <a:pPr rtl="1"/>
+            <a:r>
+              <a:rPr lang="he-IL" sz="1400" dirty="0">
+                <a:latin typeface="Arial" panose="020B0604020202020204" pitchFamily="34" charset="0"/>
+                <a:cs typeface="Arial" panose="020B0604020202020204" pitchFamily="34" charset="0"/>
+              </a:rPr>
+              <a:t>גלאים קיימים נתי</a:t>
+            </a:r>
+            <a:endParaRPr lang="en-US" sz="1400" dirty="0">
+              <a:latin typeface="Arial" panose="020B0604020202020204" pitchFamily="34" charset="0"/>
+              <a:cs typeface="Arial" panose="020B0604020202020204" pitchFamily="34" charset="0"/>
+            </a:endParaRPr>
+          </a:p>
+        </p:txBody>
+      </p:sp>
+      <p:sp>
+        <p:nvSpPr>
+          <p:cNvPr id="4" name="TextBox 3">
+            <a:extLst>
+              <a:ext uri="{FF2B5EF4-FFF2-40B4-BE49-F238E27FC236}">
+                <a16:creationId xmlns:a16="http://schemas.microsoft.com/office/drawing/2014/main" id="{61C8B54A-AA10-A116-F105-04FB187216E5}"/>
+              </a:ext>
+            </a:extLst>
+          </p:cNvPr>
+          <p:cNvSpPr txBox="1"/>
+          <p:nvPr/>
+        </p:nvSpPr>
+        <p:spPr>
+          <a:xfrm>
+            <a:off x="5233358" y="705091"/>
+            <a:ext cx="1430200" cy="276999"/>
+          </a:xfrm>
+          <a:prstGeom prst="rect">
+            <a:avLst/>
+          </a:prstGeom>
+          <a:noFill/>
+        </p:spPr>
+        <p:txBody>
+          <a:bodyPr wrap="none" rtlCol="0">
+            <a:spAutoFit/>
+          </a:bodyPr>
+          <a:lstStyle/>
+          <a:p>
+            <a:pPr rtl="1"/>
+            <a:r>
+              <a:rPr lang="he-IL" sz="1200" b="1" u="sng" dirty="0">
+                <a:latin typeface="Arial" panose="020B0604020202020204" pitchFamily="34" charset="0"/>
+                <a:cs typeface="Arial" panose="020B0604020202020204" pitchFamily="34" charset="0"/>
+              </a:rPr>
+              <a:t>סל הספירות הלאומי</a:t>
+            </a:r>
+            <a:endParaRPr lang="en-US" sz="1200" b="1" u="sng" dirty="0">
+              <a:latin typeface="Arial" panose="020B0604020202020204" pitchFamily="34" charset="0"/>
+              <a:cs typeface="Arial" panose="020B0604020202020204" pitchFamily="34" charset="0"/>
+            </a:endParaRPr>
+          </a:p>
+        </p:txBody>
+      </p:sp>
+      <p:sp>
+        <p:nvSpPr>
+          <p:cNvPr id="14" name="TextBox 13">
+            <a:extLst>
+              <a:ext uri="{FF2B5EF4-FFF2-40B4-BE49-F238E27FC236}">
+                <a16:creationId xmlns:a16="http://schemas.microsoft.com/office/drawing/2014/main" id="{83150E0D-A675-31E7-6458-D7D498CE6B72}"/>
+              </a:ext>
+            </a:extLst>
+          </p:cNvPr>
+          <p:cNvSpPr txBox="1"/>
+          <p:nvPr/>
+        </p:nvSpPr>
+        <p:spPr>
+          <a:xfrm>
+            <a:off x="5494648" y="1912843"/>
+            <a:ext cx="907621" cy="276999"/>
+          </a:xfrm>
+          <a:prstGeom prst="rect">
+            <a:avLst/>
+          </a:prstGeom>
+          <a:noFill/>
+        </p:spPr>
+        <p:txBody>
+          <a:bodyPr wrap="none" rtlCol="0">
+            <a:spAutoFit/>
+          </a:bodyPr>
+          <a:lstStyle/>
+          <a:p>
+            <a:pPr rtl="1"/>
+            <a:r>
+              <a:rPr lang="he-IL" sz="1200" b="1" u="sng" dirty="0">
+                <a:latin typeface="Arial" panose="020B0604020202020204" pitchFamily="34" charset="0"/>
+                <a:cs typeface="Arial" panose="020B0604020202020204" pitchFamily="34" charset="0"/>
+              </a:rPr>
+              <a:t>גלאי ספירה</a:t>
+            </a:r>
+            <a:endParaRPr lang="en-US" sz="1200" b="1" u="sng" dirty="0">
+              <a:latin typeface="Arial" panose="020B0604020202020204" pitchFamily="34" charset="0"/>
+              <a:cs typeface="Arial" panose="020B0604020202020204" pitchFamily="34" charset="0"/>
+            </a:endParaRPr>
+          </a:p>
+        </p:txBody>
+      </p:sp>
+      <p:pic>
+        <p:nvPicPr>
+          <p:cNvPr id="25" name="Picture 24">
+            <a:extLst>
+              <a:ext uri="{FF2B5EF4-FFF2-40B4-BE49-F238E27FC236}">
+                <a16:creationId xmlns:a16="http://schemas.microsoft.com/office/drawing/2014/main" id="{92EB5E32-4082-1B78-8A66-EFCCA31E51B5}"/>
+              </a:ext>
+            </a:extLst>
+          </p:cNvPr>
+          <p:cNvPicPr>
+            <a:picLocks noChangeAspect="1"/>
+          </p:cNvPicPr>
+          <p:nvPr/>
+        </p:nvPicPr>
+        <p:blipFill>
+          <a:blip r:embed="rId2"/>
+          <a:stretch>
+            <a:fillRect/>
+          </a:stretch>
+        </p:blipFill>
+        <p:spPr>
+          <a:xfrm>
+            <a:off x="150628" y="3511779"/>
+            <a:ext cx="5029902" cy="3057952"/>
+          </a:xfrm>
+          <a:prstGeom prst="rect">
+            <a:avLst/>
+          </a:prstGeom>
+        </p:spPr>
+      </p:pic>
+      <p:sp>
+        <p:nvSpPr>
+          <p:cNvPr id="27" name="TextBox 26">
+            <a:extLst>
+              <a:ext uri="{FF2B5EF4-FFF2-40B4-BE49-F238E27FC236}">
+                <a16:creationId xmlns:a16="http://schemas.microsoft.com/office/drawing/2014/main" id="{8AC567BD-09C6-C28B-1E16-6FD65B7B6A84}"/>
+              </a:ext>
+            </a:extLst>
+          </p:cNvPr>
+          <p:cNvSpPr txBox="1"/>
+          <p:nvPr/>
+        </p:nvSpPr>
+        <p:spPr>
+          <a:xfrm>
+            <a:off x="5477817" y="2607787"/>
+            <a:ext cx="1551055" cy="276999"/>
+          </a:xfrm>
+          <a:prstGeom prst="rect">
+            <a:avLst/>
+          </a:prstGeom>
+          <a:noFill/>
+        </p:spPr>
+        <p:txBody>
+          <a:bodyPr wrap="square">
+            <a:spAutoFit/>
+          </a:bodyPr>
+          <a:lstStyle/>
+          <a:p>
+            <a:r>
+              <a:rPr lang="he-IL" sz="1200" b="1" dirty="0">
+                <a:latin typeface="Arial" panose="020B0604020202020204" pitchFamily="34" charset="0"/>
+                <a:cs typeface="Arial" panose="020B0604020202020204" pitchFamily="34" charset="0"/>
+              </a:rPr>
+              <a:t>וידאו </a:t>
+            </a:r>
+            <a:r>
+              <a:rPr lang="he-IL" sz="1200" b="1" dirty="0" err="1">
+                <a:latin typeface="Arial" panose="020B0604020202020204" pitchFamily="34" charset="0"/>
+                <a:cs typeface="Arial" panose="020B0604020202020204" pitchFamily="34" charset="0"/>
+              </a:rPr>
+              <a:t>אנליטיקה</a:t>
+            </a:r>
+            <a:endParaRPr lang="en-US" sz="1200" b="1" dirty="0">
+              <a:latin typeface="Arial" panose="020B0604020202020204" pitchFamily="34" charset="0"/>
+              <a:cs typeface="Arial" panose="020B0604020202020204" pitchFamily="34" charset="0"/>
+            </a:endParaRPr>
+          </a:p>
+        </p:txBody>
+      </p:sp>
+      <p:sp>
+        <p:nvSpPr>
+          <p:cNvPr id="36" name="Isosceles Triangle 35">
+            <a:extLst>
+              <a:ext uri="{FF2B5EF4-FFF2-40B4-BE49-F238E27FC236}">
+                <a16:creationId xmlns:a16="http://schemas.microsoft.com/office/drawing/2014/main" id="{39B48927-4CBB-1228-DA2F-2FF2A4590241}"/>
+              </a:ext>
+            </a:extLst>
+          </p:cNvPr>
+          <p:cNvSpPr>
+            <a:spLocks noChangeAspect="1"/>
+          </p:cNvSpPr>
+          <p:nvPr/>
+        </p:nvSpPr>
+        <p:spPr>
+          <a:xfrm>
+            <a:off x="5090530" y="2668700"/>
+            <a:ext cx="180000" cy="155173"/>
+          </a:xfrm>
+          <a:prstGeom prst="triangle">
+            <a:avLst/>
+          </a:prstGeom>
+          <a:solidFill>
+            <a:srgbClr val="309630"/>
+          </a:solidFill>
+          <a:ln>
+            <a:solidFill>
+              <a:schemeClr val="tx1"/>
+            </a:solidFill>
+          </a:ln>
+        </p:spPr>
+        <p:style>
+          <a:lnRef idx="2">
+            <a:schemeClr val="accent1">
+              <a:shade val="15000"/>
+            </a:schemeClr>
+          </a:lnRef>
+          <a:fillRef idx="1">
+            <a:schemeClr val="accent1"/>
+          </a:fillRef>
+          <a:effectRef idx="0">
+            <a:schemeClr val="accent1"/>
+          </a:effectRef>
+          <a:fontRef idx="minor">
+            <a:schemeClr val="lt1"/>
+          </a:fontRef>
+        </p:style>
+        <p:txBody>
+          <a:bodyPr rtlCol="0" anchor="ctr"/>
+          <a:lstStyle/>
+          <a:p>
+            <a:pPr algn="ctr"/>
+            <a:endParaRPr lang="en-US" sz="1600" b="1"/>
+          </a:p>
+        </p:txBody>
+      </p:sp>
+      <p:pic>
+        <p:nvPicPr>
+          <p:cNvPr id="37" name="Picture 36">
+            <a:extLst>
+              <a:ext uri="{FF2B5EF4-FFF2-40B4-BE49-F238E27FC236}">
+                <a16:creationId xmlns:a16="http://schemas.microsoft.com/office/drawing/2014/main" id="{0BAF838F-3634-1B53-AB31-13D7183DD600}"/>
+              </a:ext>
+            </a:extLst>
+          </p:cNvPr>
+          <p:cNvPicPr>
+            <a:picLocks noChangeAspect="1"/>
+          </p:cNvPicPr>
+          <p:nvPr/>
+        </p:nvPicPr>
+        <p:blipFill>
+          <a:blip r:embed="rId3"/>
+          <a:stretch>
+            <a:fillRect/>
+          </a:stretch>
+        </p:blipFill>
+        <p:spPr>
+          <a:xfrm>
+            <a:off x="5625166" y="3533483"/>
+            <a:ext cx="2261812" cy="2798307"/>
+          </a:xfrm>
+          <a:prstGeom prst="rect">
+            <a:avLst/>
+          </a:prstGeom>
+        </p:spPr>
+      </p:pic>
+    </p:spTree>
+    <p:extLst>
+      <p:ext uri="{BB962C8B-B14F-4D97-AF65-F5344CB8AC3E}">
+        <p14:creationId xmlns:p14="http://schemas.microsoft.com/office/powerpoint/2010/main" val="2787564042"/>
+      </p:ext>
+    </p:extLst>
+  </p:cSld>
+  <p:clrMapOvr>
+    <a:masterClrMapping/>
+  </p:clrMapOvr>
+</p:sld>
+</file>
+
+<file path=ppt/slides/slide2.xml><?xml version="1.0" encoding="utf-8"?>
+<p:sld xmlns:a="http://schemas.openxmlformats.org/drawingml/2006/main" xmlns:r="http://schemas.openxmlformats.org/officeDocument/2006/relationships" xmlns:p="http://schemas.openxmlformats.org/presentationml/2006/main">
+  <p:cSld>
+    <p:spTree>
+      <p:nvGrpSpPr>
+        <p:cNvPr id="1" name=""/>
+        <p:cNvGrpSpPr/>
+        <p:nvPr/>
+      </p:nvGrpSpPr>
+      <p:grpSpPr>
+        <a:xfrm>
+          <a:off x="0" y="0"/>
+          <a:ext cx="0" cy="0"/>
+          <a:chOff x="0" y="0"/>
+          <a:chExt cx="0" cy="0"/>
+        </a:xfrm>
+      </p:grpSpPr>
+      <p:sp>
+        <p:nvSpPr>
+          <p:cNvPr id="34" name="Rectangle 33">
+            <a:extLst>
+              <a:ext uri="{FF2B5EF4-FFF2-40B4-BE49-F238E27FC236}">
+                <a16:creationId xmlns:a16="http://schemas.microsoft.com/office/drawing/2014/main" id="{03ED471D-B07A-B95F-3353-31F7AF1A43AA}"/>
+              </a:ext>
+            </a:extLst>
+          </p:cNvPr>
+          <p:cNvSpPr/>
+          <p:nvPr/>
+        </p:nvSpPr>
+        <p:spPr>
+          <a:xfrm>
+            <a:off x="4831898" y="466381"/>
+            <a:ext cx="2254216" cy="2786407"/>
+          </a:xfrm>
+          <a:prstGeom prst="rect">
+            <a:avLst/>
+          </a:prstGeom>
+          <a:solidFill>
+            <a:schemeClr val="bg1"/>
+          </a:solidFill>
+          <a:ln w="6350"/>
+        </p:spPr>
+        <p:style>
+          <a:lnRef idx="2">
+            <a:schemeClr val="accent1">
+              <a:shade val="15000"/>
+            </a:schemeClr>
+          </a:lnRef>
+          <a:fillRef idx="1">
+            <a:schemeClr val="accent1"/>
+          </a:fillRef>
+          <a:effectRef idx="0">
+            <a:schemeClr val="accent1"/>
+          </a:effectRef>
+          <a:fontRef idx="minor">
+            <a:schemeClr val="lt1"/>
+          </a:fontRef>
+        </p:style>
+        <p:txBody>
+          <a:bodyPr rtlCol="0" anchor="ctr"/>
+          <a:lstStyle/>
+          <a:p>
+            <a:pPr algn="ctr"/>
+            <a:endParaRPr lang="en-US"/>
+          </a:p>
+        </p:txBody>
+      </p:sp>
+      <p:pic>
+        <p:nvPicPr>
+          <p:cNvPr id="5" name="Picture 4">
+            <a:extLst>
+              <a:ext uri="{FF2B5EF4-FFF2-40B4-BE49-F238E27FC236}">
+                <a16:creationId xmlns:a16="http://schemas.microsoft.com/office/drawing/2014/main" id="{7807C929-BBDA-7DE4-E327-E4166ABB562E}"/>
+              </a:ext>
+            </a:extLst>
+          </p:cNvPr>
+          <p:cNvPicPr>
+            <a:picLocks noChangeAspect="1"/>
+          </p:cNvPicPr>
+          <p:nvPr/>
+        </p:nvPicPr>
+        <p:blipFill>
+          <a:blip r:embed="rId2"/>
+          <a:stretch>
+            <a:fillRect/>
+          </a:stretch>
+        </p:blipFill>
+        <p:spPr>
+          <a:xfrm>
+            <a:off x="3015311" y="4728346"/>
+            <a:ext cx="161948" cy="152421"/>
+          </a:xfrm>
+          <a:prstGeom prst="rect">
+            <a:avLst/>
+          </a:prstGeom>
+        </p:spPr>
+      </p:pic>
+      <p:pic>
+        <p:nvPicPr>
+          <p:cNvPr id="7" name="Picture 6">
+            <a:extLst>
+              <a:ext uri="{FF2B5EF4-FFF2-40B4-BE49-F238E27FC236}">
+                <a16:creationId xmlns:a16="http://schemas.microsoft.com/office/drawing/2014/main" id="{E7B69B2C-A16C-6E28-B6BF-81E768D8E9B1}"/>
+              </a:ext>
+            </a:extLst>
+          </p:cNvPr>
+          <p:cNvPicPr>
+            <a:picLocks noChangeAspect="1"/>
+          </p:cNvPicPr>
+          <p:nvPr/>
+        </p:nvPicPr>
+        <p:blipFill>
+          <a:blip r:embed="rId3"/>
+          <a:stretch>
+            <a:fillRect/>
+          </a:stretch>
+        </p:blipFill>
+        <p:spPr>
+          <a:xfrm>
+            <a:off x="2469994" y="5468519"/>
+            <a:ext cx="371527" cy="323895"/>
+          </a:xfrm>
+          <a:prstGeom prst="rect">
+            <a:avLst/>
+          </a:prstGeom>
+        </p:spPr>
+      </p:pic>
+      <p:pic>
+        <p:nvPicPr>
+          <p:cNvPr id="9" name="Picture 8">
+            <a:extLst>
+              <a:ext uri="{FF2B5EF4-FFF2-40B4-BE49-F238E27FC236}">
+                <a16:creationId xmlns:a16="http://schemas.microsoft.com/office/drawing/2014/main" id="{DFD5A53A-5933-0D9C-6C01-5559FC29B877}"/>
+              </a:ext>
+            </a:extLst>
+          </p:cNvPr>
+          <p:cNvPicPr>
+            <a:picLocks noChangeAspect="1"/>
+          </p:cNvPicPr>
+          <p:nvPr/>
+        </p:nvPicPr>
+        <p:blipFill>
+          <a:blip r:embed="rId4"/>
+          <a:stretch>
+            <a:fillRect/>
+          </a:stretch>
+        </p:blipFill>
+        <p:spPr>
+          <a:xfrm>
+            <a:off x="1841257" y="1218891"/>
+            <a:ext cx="2000529" cy="2210108"/>
+          </a:xfrm>
+          <a:prstGeom prst="rect">
+            <a:avLst/>
+          </a:prstGeom>
+        </p:spPr>
+      </p:pic>
+      <p:pic>
+        <p:nvPicPr>
+          <p:cNvPr id="11" name="Picture 10">
+            <a:extLst>
+              <a:ext uri="{FF2B5EF4-FFF2-40B4-BE49-F238E27FC236}">
+                <a16:creationId xmlns:a16="http://schemas.microsoft.com/office/drawing/2014/main" id="{6002572D-E715-DD5B-B83A-B4953111E8D4}"/>
+              </a:ext>
+            </a:extLst>
+          </p:cNvPr>
+          <p:cNvPicPr>
+            <a:picLocks noChangeAspect="1"/>
+          </p:cNvPicPr>
+          <p:nvPr/>
+        </p:nvPicPr>
+        <p:blipFill>
+          <a:blip r:embed="rId5"/>
+          <a:stretch>
+            <a:fillRect/>
+          </a:stretch>
+        </p:blipFill>
+        <p:spPr>
+          <a:xfrm>
+            <a:off x="2429442" y="3826225"/>
+            <a:ext cx="666843" cy="504895"/>
+          </a:xfrm>
+          <a:prstGeom prst="rect">
+            <a:avLst/>
+          </a:prstGeom>
+        </p:spPr>
+      </p:pic>
+      <p:pic>
+        <p:nvPicPr>
+          <p:cNvPr id="13" name="Picture 12">
+            <a:extLst>
+              <a:ext uri="{FF2B5EF4-FFF2-40B4-BE49-F238E27FC236}">
+                <a16:creationId xmlns:a16="http://schemas.microsoft.com/office/drawing/2014/main" id="{150636F4-F94E-61CF-C0D7-176AB29C9D42}"/>
+              </a:ext>
+            </a:extLst>
+          </p:cNvPr>
+          <p:cNvPicPr>
+            <a:picLocks noChangeAspect="1"/>
+          </p:cNvPicPr>
+          <p:nvPr/>
+        </p:nvPicPr>
+        <p:blipFill rotWithShape="1">
+          <a:blip r:embed="rId6"/>
+          <a:srcRect l="12916"/>
+          <a:stretch/>
+        </p:blipFill>
+        <p:spPr>
+          <a:xfrm>
+            <a:off x="9596876" y="2338869"/>
+            <a:ext cx="2254216" cy="2210107"/>
+          </a:xfrm>
+          <a:prstGeom prst="rect">
+            <a:avLst/>
+          </a:prstGeom>
+        </p:spPr>
+      </p:pic>
+      <p:cxnSp>
+        <p:nvCxnSpPr>
+          <p:cNvPr id="15" name="Straight Connector 14">
+            <a:extLst>
+              <a:ext uri="{FF2B5EF4-FFF2-40B4-BE49-F238E27FC236}">
+                <a16:creationId xmlns:a16="http://schemas.microsoft.com/office/drawing/2014/main" id="{7879DD3D-68DD-37BC-A5CC-5D9AE571B64C}"/>
+              </a:ext>
+            </a:extLst>
+          </p:cNvPr>
+          <p:cNvCxnSpPr>
+            <a:cxnSpLocks/>
+          </p:cNvCxnSpPr>
+          <p:nvPr/>
+        </p:nvCxnSpPr>
+        <p:spPr>
+          <a:xfrm>
+            <a:off x="4988801" y="887660"/>
+            <a:ext cx="383458" cy="0"/>
+          </a:xfrm>
+          <a:prstGeom prst="line">
+            <a:avLst/>
+          </a:prstGeom>
+          <a:ln w="57150">
+            <a:solidFill>
+              <a:srgbClr val="FF0000"/>
+            </a:solidFill>
+            <a:headEnd type="none" w="med" len="med"/>
+            <a:tailEnd type="none" w="med" len="med"/>
+          </a:ln>
+        </p:spPr>
+        <p:style>
+          <a:lnRef idx="1">
+            <a:schemeClr val="accent1"/>
+          </a:lnRef>
+          <a:fillRef idx="0">
+            <a:schemeClr val="accent1"/>
+          </a:fillRef>
+          <a:effectRef idx="0">
+            <a:schemeClr val="accent1"/>
+          </a:effectRef>
+          <a:fontRef idx="minor">
+            <a:schemeClr val="tx1"/>
+          </a:fontRef>
+        </p:style>
+      </p:cxnSp>
+      <p:cxnSp>
+        <p:nvCxnSpPr>
+          <p:cNvPr id="16" name="Straight Connector 15">
+            <a:extLst>
+              <a:ext uri="{FF2B5EF4-FFF2-40B4-BE49-F238E27FC236}">
+                <a16:creationId xmlns:a16="http://schemas.microsoft.com/office/drawing/2014/main" id="{08300224-46C7-9678-3DA2-4A679DAA9722}"/>
+              </a:ext>
+            </a:extLst>
+          </p:cNvPr>
+          <p:cNvCxnSpPr>
+            <a:cxnSpLocks/>
+          </p:cNvCxnSpPr>
+          <p:nvPr/>
+        </p:nvCxnSpPr>
+        <p:spPr>
+          <a:xfrm>
+            <a:off x="4988801" y="1233500"/>
+            <a:ext cx="383458" cy="0"/>
+          </a:xfrm>
+          <a:prstGeom prst="line">
+            <a:avLst/>
+          </a:prstGeom>
+          <a:ln w="38100">
+            <a:solidFill>
+              <a:schemeClr val="accent6">
+                <a:lumMod val="75000"/>
+              </a:schemeClr>
+            </a:solidFill>
+            <a:headEnd type="none" w="med" len="med"/>
+            <a:tailEnd type="none" w="med" len="med"/>
+          </a:ln>
+        </p:spPr>
+        <p:style>
+          <a:lnRef idx="1">
+            <a:schemeClr val="accent1"/>
+          </a:lnRef>
+          <a:fillRef idx="0">
+            <a:schemeClr val="accent1"/>
+          </a:fillRef>
+          <a:effectRef idx="0">
+            <a:schemeClr val="accent1"/>
+          </a:effectRef>
+          <a:fontRef idx="minor">
+            <a:schemeClr val="tx1"/>
+          </a:fontRef>
+        </p:style>
+      </p:cxnSp>
+      <p:sp>
+        <p:nvSpPr>
+          <p:cNvPr id="18" name="TextBox 17">
+            <a:extLst>
+              <a:ext uri="{FF2B5EF4-FFF2-40B4-BE49-F238E27FC236}">
+                <a16:creationId xmlns:a16="http://schemas.microsoft.com/office/drawing/2014/main" id="{E75B507B-E0CB-9A99-1450-9AEAF3CD05FF}"/>
+              </a:ext>
+            </a:extLst>
+          </p:cNvPr>
+          <p:cNvSpPr txBox="1"/>
+          <p:nvPr/>
+        </p:nvSpPr>
+        <p:spPr>
+          <a:xfrm>
+            <a:off x="5477817" y="733772"/>
+            <a:ext cx="1494320" cy="307777"/>
+          </a:xfrm>
+          <a:prstGeom prst="rect">
+            <a:avLst/>
+          </a:prstGeom>
+          <a:noFill/>
+        </p:spPr>
+        <p:txBody>
+          <a:bodyPr wrap="none" rtlCol="0">
+            <a:spAutoFit/>
+          </a:bodyPr>
+          <a:lstStyle/>
+          <a:p>
+            <a:pPr algn="r" rtl="1"/>
+            <a:r>
+              <a:rPr lang="he-IL" sz="1400" dirty="0">
+                <a:latin typeface="Arial" panose="020B0604020202020204" pitchFamily="34" charset="0"/>
+                <a:cs typeface="Arial" panose="020B0604020202020204" pitchFamily="34" charset="0"/>
+              </a:rPr>
+              <a:t>דרך מהירה/ראשית</a:t>
+            </a:r>
+            <a:endParaRPr lang="en-US" sz="1400" dirty="0">
+              <a:latin typeface="Arial" panose="020B0604020202020204" pitchFamily="34" charset="0"/>
+              <a:cs typeface="Arial" panose="020B0604020202020204" pitchFamily="34" charset="0"/>
+            </a:endParaRPr>
+          </a:p>
+        </p:txBody>
+      </p:sp>
+      <p:sp>
+        <p:nvSpPr>
+          <p:cNvPr id="19" name="TextBox 18">
+            <a:extLst>
+              <a:ext uri="{FF2B5EF4-FFF2-40B4-BE49-F238E27FC236}">
+                <a16:creationId xmlns:a16="http://schemas.microsoft.com/office/drawing/2014/main" id="{FB0D595E-7A15-B8E9-A388-D5FB6E2F5CC0}"/>
+              </a:ext>
+            </a:extLst>
+          </p:cNvPr>
+          <p:cNvSpPr txBox="1"/>
+          <p:nvPr/>
+        </p:nvSpPr>
+        <p:spPr>
+          <a:xfrm>
+            <a:off x="5477817" y="1079612"/>
+            <a:ext cx="974947" cy="307777"/>
+          </a:xfrm>
+          <a:prstGeom prst="rect">
+            <a:avLst/>
+          </a:prstGeom>
+          <a:noFill/>
+        </p:spPr>
+        <p:txBody>
+          <a:bodyPr wrap="none" rtlCol="0">
+            <a:spAutoFit/>
+          </a:bodyPr>
+          <a:lstStyle/>
+          <a:p>
+            <a:pPr algn="r" rtl="1"/>
+            <a:r>
+              <a:rPr lang="he-IL" sz="1400" dirty="0">
+                <a:latin typeface="Arial" panose="020B0604020202020204" pitchFamily="34" charset="0"/>
+                <a:cs typeface="Arial" panose="020B0604020202020204" pitchFamily="34" charset="0"/>
+              </a:rPr>
+              <a:t>דרך אזורית</a:t>
+            </a:r>
+            <a:endParaRPr lang="en-US" sz="1400" dirty="0">
+              <a:latin typeface="Arial" panose="020B0604020202020204" pitchFamily="34" charset="0"/>
+              <a:cs typeface="Arial" panose="020B0604020202020204" pitchFamily="34" charset="0"/>
+            </a:endParaRPr>
+          </a:p>
+        </p:txBody>
+      </p:sp>
+      <p:sp>
+        <p:nvSpPr>
+          <p:cNvPr id="24" name="TextBox 23">
+            <a:extLst>
+              <a:ext uri="{FF2B5EF4-FFF2-40B4-BE49-F238E27FC236}">
+                <a16:creationId xmlns:a16="http://schemas.microsoft.com/office/drawing/2014/main" id="{FFB88B6A-C17F-83FC-3E88-D2DA34602A28}"/>
+              </a:ext>
+            </a:extLst>
+          </p:cNvPr>
+          <p:cNvSpPr txBox="1"/>
+          <p:nvPr/>
+        </p:nvSpPr>
+        <p:spPr>
+          <a:xfrm>
+            <a:off x="5477817" y="2117132"/>
+            <a:ext cx="1551055" cy="307777"/>
+          </a:xfrm>
+          <a:prstGeom prst="rect">
+            <a:avLst/>
+          </a:prstGeom>
+          <a:noFill/>
+        </p:spPr>
+        <p:txBody>
+          <a:bodyPr wrap="square">
+            <a:spAutoFit/>
+          </a:bodyPr>
+          <a:lstStyle/>
+          <a:p>
+            <a:pPr rtl="1"/>
+            <a:r>
+              <a:rPr lang="he-IL" sz="1400" dirty="0">
+                <a:latin typeface="Arial" panose="020B0604020202020204" pitchFamily="34" charset="0"/>
+                <a:cs typeface="Arial" panose="020B0604020202020204" pitchFamily="34" charset="0"/>
+              </a:rPr>
+              <a:t>גלאים קיימים נתי</a:t>
+            </a:r>
+            <a:endParaRPr lang="en-US" sz="1400" dirty="0">
+              <a:latin typeface="Arial" panose="020B0604020202020204" pitchFamily="34" charset="0"/>
+              <a:cs typeface="Arial" panose="020B0604020202020204" pitchFamily="34" charset="0"/>
+            </a:endParaRPr>
+          </a:p>
+        </p:txBody>
+      </p:sp>
+      <p:sp>
+        <p:nvSpPr>
+          <p:cNvPr id="26" name="TextBox 25">
+            <a:extLst>
+              <a:ext uri="{FF2B5EF4-FFF2-40B4-BE49-F238E27FC236}">
+                <a16:creationId xmlns:a16="http://schemas.microsoft.com/office/drawing/2014/main" id="{0BACDDFC-6145-2E3A-D3A8-31A78C8C98B5}"/>
+              </a:ext>
+            </a:extLst>
+          </p:cNvPr>
+          <p:cNvSpPr txBox="1"/>
+          <p:nvPr/>
+        </p:nvSpPr>
+        <p:spPr>
+          <a:xfrm>
+            <a:off x="5477817" y="2462972"/>
+            <a:ext cx="1551055" cy="307777"/>
+          </a:xfrm>
+          <a:prstGeom prst="rect">
+            <a:avLst/>
+          </a:prstGeom>
+          <a:noFill/>
+        </p:spPr>
+        <p:txBody>
+          <a:bodyPr wrap="square">
+            <a:spAutoFit/>
+          </a:bodyPr>
+          <a:lstStyle/>
+          <a:p>
+            <a:pPr rtl="1"/>
+            <a:r>
+              <a:rPr lang="he-IL" sz="1400" dirty="0">
+                <a:latin typeface="Arial" panose="020B0604020202020204" pitchFamily="34" charset="0"/>
+                <a:cs typeface="Arial" panose="020B0604020202020204" pitchFamily="34" charset="0"/>
+              </a:rPr>
+              <a:t>גלאים מתוכננים נתי</a:t>
+            </a:r>
+            <a:endParaRPr lang="en-US" sz="1400" dirty="0">
+              <a:latin typeface="Arial" panose="020B0604020202020204" pitchFamily="34" charset="0"/>
+              <a:cs typeface="Arial" panose="020B0604020202020204" pitchFamily="34" charset="0"/>
+            </a:endParaRPr>
+          </a:p>
+        </p:txBody>
+      </p:sp>
+      <p:sp>
+        <p:nvSpPr>
+          <p:cNvPr id="28" name="TextBox 27">
+            <a:extLst>
+              <a:ext uri="{FF2B5EF4-FFF2-40B4-BE49-F238E27FC236}">
+                <a16:creationId xmlns:a16="http://schemas.microsoft.com/office/drawing/2014/main" id="{795E207D-79A7-2F51-4A02-BE7EF49DB108}"/>
+              </a:ext>
+            </a:extLst>
+          </p:cNvPr>
+          <p:cNvSpPr txBox="1"/>
+          <p:nvPr/>
+        </p:nvSpPr>
+        <p:spPr>
+          <a:xfrm>
+            <a:off x="5477817" y="1771292"/>
+            <a:ext cx="1551055" cy="307777"/>
+          </a:xfrm>
+          <a:prstGeom prst="rect">
+            <a:avLst/>
+          </a:prstGeom>
+          <a:noFill/>
+        </p:spPr>
+        <p:txBody>
+          <a:bodyPr wrap="square">
+            <a:spAutoFit/>
+          </a:bodyPr>
+          <a:lstStyle/>
+          <a:p>
+            <a:pPr rtl="1"/>
+            <a:r>
+              <a:rPr lang="he-IL" sz="1400" dirty="0">
+                <a:latin typeface="Arial" panose="020B0604020202020204" pitchFamily="34" charset="0"/>
+                <a:cs typeface="Arial" panose="020B0604020202020204" pitchFamily="34" charset="0"/>
+              </a:rPr>
+              <a:t>תחנות ספירה למס</a:t>
+            </a:r>
+            <a:endParaRPr lang="en-US" sz="1400" dirty="0">
+              <a:latin typeface="Arial" panose="020B0604020202020204" pitchFamily="34" charset="0"/>
+              <a:cs typeface="Arial" panose="020B0604020202020204" pitchFamily="34" charset="0"/>
+            </a:endParaRPr>
+          </a:p>
+        </p:txBody>
+      </p:sp>
+      <p:sp>
+        <p:nvSpPr>
+          <p:cNvPr id="29" name="TextBox 28">
+            <a:extLst>
+              <a:ext uri="{FF2B5EF4-FFF2-40B4-BE49-F238E27FC236}">
+                <a16:creationId xmlns:a16="http://schemas.microsoft.com/office/drawing/2014/main" id="{F3D799D2-4FBD-3458-B980-B25E6C07F358}"/>
+              </a:ext>
+            </a:extLst>
+          </p:cNvPr>
+          <p:cNvSpPr txBox="1"/>
+          <p:nvPr/>
+        </p:nvSpPr>
+        <p:spPr>
+          <a:xfrm>
+            <a:off x="5477817" y="1425452"/>
+            <a:ext cx="1027845" cy="307777"/>
+          </a:xfrm>
+          <a:prstGeom prst="rect">
+            <a:avLst/>
+          </a:prstGeom>
+          <a:noFill/>
+        </p:spPr>
+        <p:txBody>
+          <a:bodyPr wrap="none" rtlCol="0">
+            <a:spAutoFit/>
+          </a:bodyPr>
+          <a:lstStyle/>
+          <a:p>
+            <a:pPr algn="l"/>
+            <a:r>
+              <a:rPr lang="he-IL" sz="1400" dirty="0">
+                <a:latin typeface="Arial" panose="020B0604020202020204" pitchFamily="34" charset="0"/>
+                <a:cs typeface="Arial" panose="020B0604020202020204" pitchFamily="34" charset="0"/>
+              </a:rPr>
+              <a:t>דרך מקומית</a:t>
+            </a:r>
+            <a:endParaRPr lang="en-US" sz="1400" dirty="0">
+              <a:latin typeface="Arial" panose="020B0604020202020204" pitchFamily="34" charset="0"/>
+              <a:cs typeface="Arial" panose="020B0604020202020204" pitchFamily="34" charset="0"/>
+            </a:endParaRPr>
+          </a:p>
+        </p:txBody>
+      </p:sp>
+      <p:cxnSp>
+        <p:nvCxnSpPr>
+          <p:cNvPr id="30" name="Straight Connector 29">
+            <a:extLst>
+              <a:ext uri="{FF2B5EF4-FFF2-40B4-BE49-F238E27FC236}">
+                <a16:creationId xmlns:a16="http://schemas.microsoft.com/office/drawing/2014/main" id="{38FFC5EA-C848-452C-06D1-06AB3A3E416B}"/>
+              </a:ext>
+            </a:extLst>
+          </p:cNvPr>
+          <p:cNvCxnSpPr>
+            <a:cxnSpLocks/>
+          </p:cNvCxnSpPr>
+          <p:nvPr/>
+        </p:nvCxnSpPr>
+        <p:spPr>
+          <a:xfrm>
+            <a:off x="4988801" y="1579340"/>
+            <a:ext cx="383458" cy="0"/>
+          </a:xfrm>
+          <a:prstGeom prst="line">
+            <a:avLst/>
+          </a:prstGeom>
+          <a:ln w="28575">
+            <a:solidFill>
+              <a:srgbClr val="853A05"/>
+            </a:solidFill>
+            <a:headEnd type="none" w="med" len="med"/>
+            <a:tailEnd type="none" w="med" len="med"/>
+          </a:ln>
+        </p:spPr>
+        <p:style>
+          <a:lnRef idx="1">
+            <a:schemeClr val="accent1"/>
+          </a:lnRef>
+          <a:fillRef idx="0">
+            <a:schemeClr val="accent1"/>
+          </a:fillRef>
+          <a:effectRef idx="0">
+            <a:schemeClr val="accent1"/>
+          </a:effectRef>
+          <a:fontRef idx="minor">
+            <a:schemeClr val="tx1"/>
+          </a:fontRef>
+        </p:style>
+      </p:cxnSp>
+      <p:sp>
+        <p:nvSpPr>
+          <p:cNvPr id="31" name="Isosceles Triangle 30">
+            <a:extLst>
+              <a:ext uri="{FF2B5EF4-FFF2-40B4-BE49-F238E27FC236}">
+                <a16:creationId xmlns:a16="http://schemas.microsoft.com/office/drawing/2014/main" id="{6169B949-6DDE-0309-BA70-C1CB9468CB8B}"/>
+              </a:ext>
+            </a:extLst>
+          </p:cNvPr>
+          <p:cNvSpPr>
+            <a:spLocks noChangeAspect="1"/>
+          </p:cNvSpPr>
+          <p:nvPr/>
+        </p:nvSpPr>
+        <p:spPr>
+          <a:xfrm>
+            <a:off x="5090530" y="2193434"/>
+            <a:ext cx="180000" cy="155173"/>
+          </a:xfrm>
+          <a:prstGeom prst="triangle">
+            <a:avLst/>
+          </a:prstGeom>
+          <a:solidFill>
+            <a:srgbClr val="FECBD4"/>
+          </a:solidFill>
+          <a:ln>
+            <a:solidFill>
+              <a:schemeClr val="tx1"/>
+            </a:solidFill>
+          </a:ln>
+        </p:spPr>
+        <p:style>
+          <a:lnRef idx="2">
+            <a:schemeClr val="accent1">
+              <a:shade val="15000"/>
+            </a:schemeClr>
+          </a:lnRef>
+          <a:fillRef idx="1">
+            <a:schemeClr val="accent1"/>
+          </a:fillRef>
+          <a:effectRef idx="0">
+            <a:schemeClr val="accent1"/>
+          </a:effectRef>
+          <a:fontRef idx="minor">
+            <a:schemeClr val="lt1"/>
+          </a:fontRef>
+        </p:style>
+        <p:txBody>
+          <a:bodyPr rtlCol="0" anchor="ctr"/>
+          <a:lstStyle/>
+          <a:p>
+            <a:pPr algn="ctr"/>
+            <a:endParaRPr lang="en-US"/>
+          </a:p>
+        </p:txBody>
+      </p:sp>
+      <p:sp>
+        <p:nvSpPr>
+          <p:cNvPr id="32" name="Isosceles Triangle 31">
+            <a:extLst>
+              <a:ext uri="{FF2B5EF4-FFF2-40B4-BE49-F238E27FC236}">
+                <a16:creationId xmlns:a16="http://schemas.microsoft.com/office/drawing/2014/main" id="{3630F60A-AC83-5C50-5F14-F05B4706B002}"/>
+              </a:ext>
+            </a:extLst>
+          </p:cNvPr>
+          <p:cNvSpPr>
+            <a:spLocks noChangeAspect="1"/>
+          </p:cNvSpPr>
+          <p:nvPr/>
+        </p:nvSpPr>
+        <p:spPr>
+          <a:xfrm>
+            <a:off x="5090530" y="2539274"/>
+            <a:ext cx="180000" cy="155173"/>
+          </a:xfrm>
+          <a:prstGeom prst="triangle">
+            <a:avLst/>
+          </a:prstGeom>
+          <a:solidFill>
+            <a:srgbClr val="0000FF"/>
+          </a:solidFill>
+          <a:ln>
+            <a:solidFill>
+              <a:schemeClr val="tx1"/>
+            </a:solidFill>
+          </a:ln>
+        </p:spPr>
+        <p:style>
+          <a:lnRef idx="2">
+            <a:schemeClr val="accent1">
+              <a:shade val="15000"/>
+            </a:schemeClr>
+          </a:lnRef>
+          <a:fillRef idx="1">
+            <a:schemeClr val="accent1"/>
+          </a:fillRef>
+          <a:effectRef idx="0">
+            <a:schemeClr val="accent1"/>
+          </a:effectRef>
+          <a:fontRef idx="minor">
+            <a:schemeClr val="lt1"/>
+          </a:fontRef>
+        </p:style>
+        <p:txBody>
+          <a:bodyPr rtlCol="0" anchor="ctr"/>
+          <a:lstStyle/>
+          <a:p>
+            <a:pPr algn="ctr"/>
+            <a:endParaRPr lang="en-US"/>
+          </a:p>
+        </p:txBody>
+      </p:sp>
+      <p:sp>
+        <p:nvSpPr>
+          <p:cNvPr id="33" name="Diamond 32">
+            <a:extLst>
+              <a:ext uri="{FF2B5EF4-FFF2-40B4-BE49-F238E27FC236}">
+                <a16:creationId xmlns:a16="http://schemas.microsoft.com/office/drawing/2014/main" id="{01FA73A1-B502-E50A-300B-4395B231C5BD}"/>
+              </a:ext>
+            </a:extLst>
+          </p:cNvPr>
+          <p:cNvSpPr>
+            <a:spLocks noChangeAspect="1"/>
+          </p:cNvSpPr>
+          <p:nvPr/>
+        </p:nvSpPr>
+        <p:spPr>
+          <a:xfrm>
+            <a:off x="5090530" y="1835180"/>
+            <a:ext cx="180000" cy="180000"/>
+          </a:xfrm>
+          <a:prstGeom prst="diamond">
+            <a:avLst/>
+          </a:prstGeom>
+          <a:solidFill>
+            <a:srgbClr val="FBFB3C"/>
+          </a:solidFill>
+          <a:ln>
+            <a:solidFill>
+              <a:schemeClr val="tx1"/>
+            </a:solidFill>
+          </a:ln>
+        </p:spPr>
+        <p:style>
+          <a:lnRef idx="2">
+            <a:schemeClr val="accent1">
+              <a:shade val="15000"/>
+            </a:schemeClr>
+          </a:lnRef>
+          <a:fillRef idx="1">
+            <a:schemeClr val="accent1"/>
+          </a:fillRef>
+          <a:effectRef idx="0">
+            <a:schemeClr val="accent1"/>
+          </a:effectRef>
+          <a:fontRef idx="minor">
+            <a:schemeClr val="lt1"/>
+          </a:fontRef>
+        </p:style>
+        <p:txBody>
+          <a:bodyPr rtlCol="0" anchor="ctr"/>
+          <a:lstStyle/>
+          <a:p>
+            <a:pPr algn="ctr"/>
+            <a:endParaRPr lang="en-US"/>
+          </a:p>
+        </p:txBody>
+      </p:sp>
+      <p:sp>
+        <p:nvSpPr>
+          <p:cNvPr id="35" name="TextBox 34">
+            <a:extLst>
+              <a:ext uri="{FF2B5EF4-FFF2-40B4-BE49-F238E27FC236}">
+                <a16:creationId xmlns:a16="http://schemas.microsoft.com/office/drawing/2014/main" id="{FD81F448-7ABF-B9E0-121E-E8250E9274DD}"/>
+              </a:ext>
+            </a:extLst>
+          </p:cNvPr>
+          <p:cNvSpPr txBox="1"/>
+          <p:nvPr/>
+        </p:nvSpPr>
+        <p:spPr>
+          <a:xfrm>
+            <a:off x="5670978" y="466381"/>
+            <a:ext cx="598241" cy="307777"/>
+          </a:xfrm>
+          <a:prstGeom prst="rect">
+            <a:avLst/>
+          </a:prstGeom>
+          <a:noFill/>
+        </p:spPr>
+        <p:txBody>
+          <a:bodyPr wrap="none" rtlCol="0">
+            <a:spAutoFit/>
+          </a:bodyPr>
+          <a:lstStyle/>
+          <a:p>
+            <a:pPr algn="r" rtl="1"/>
+            <a:r>
+              <a:rPr lang="he-IL" sz="1400" b="1" dirty="0">
+                <a:latin typeface="Arial" panose="020B0604020202020204" pitchFamily="34" charset="0"/>
+                <a:cs typeface="Arial" panose="020B0604020202020204" pitchFamily="34" charset="0"/>
+              </a:rPr>
+              <a:t>מקרא</a:t>
+            </a:r>
+            <a:endParaRPr lang="en-US" sz="1400" b="1" dirty="0">
+              <a:latin typeface="Arial" panose="020B0604020202020204" pitchFamily="34" charset="0"/>
+              <a:cs typeface="Arial" panose="020B0604020202020204" pitchFamily="34" charset="0"/>
+            </a:endParaRPr>
+          </a:p>
+        </p:txBody>
+      </p:sp>
+      <p:sp>
+        <p:nvSpPr>
+          <p:cNvPr id="2" name="TextBox 1">
+            <a:extLst>
+              <a:ext uri="{FF2B5EF4-FFF2-40B4-BE49-F238E27FC236}">
+                <a16:creationId xmlns:a16="http://schemas.microsoft.com/office/drawing/2014/main" id="{77BE403D-BF6A-CB21-CFAA-026977E4DC60}"/>
+              </a:ext>
+            </a:extLst>
+          </p:cNvPr>
+          <p:cNvSpPr txBox="1"/>
+          <p:nvPr/>
+        </p:nvSpPr>
+        <p:spPr>
+          <a:xfrm>
+            <a:off x="5477817" y="2808814"/>
+            <a:ext cx="1494320" cy="307777"/>
+          </a:xfrm>
+          <a:prstGeom prst="rect">
+            <a:avLst/>
+          </a:prstGeom>
+          <a:noFill/>
+        </p:spPr>
+        <p:txBody>
+          <a:bodyPr wrap="square">
+            <a:spAutoFit/>
+          </a:bodyPr>
+          <a:lstStyle/>
+          <a:p>
+            <a:pPr rtl="1"/>
+            <a:r>
+              <a:rPr lang="he-IL" sz="1400" dirty="0">
+                <a:latin typeface="Arial" panose="020B0604020202020204" pitchFamily="34" charset="0"/>
+                <a:cs typeface="Arial" panose="020B0604020202020204" pitchFamily="34" charset="0"/>
+              </a:rPr>
+              <a:t>עמדה קבועה</a:t>
+            </a:r>
+            <a:endParaRPr lang="en-US" sz="1400" dirty="0">
+              <a:latin typeface="Arial" panose="020B0604020202020204" pitchFamily="34" charset="0"/>
+              <a:cs typeface="Arial" panose="020B0604020202020204" pitchFamily="34" charset="0"/>
+            </a:endParaRPr>
+          </a:p>
+        </p:txBody>
+      </p:sp>
+      <p:sp>
+        <p:nvSpPr>
+          <p:cNvPr id="3" name="Rectangle 2">
+            <a:extLst>
+              <a:ext uri="{FF2B5EF4-FFF2-40B4-BE49-F238E27FC236}">
+                <a16:creationId xmlns:a16="http://schemas.microsoft.com/office/drawing/2014/main" id="{EDEAE6D7-9C5D-AD0C-C608-3C6BBBE5903E}"/>
+              </a:ext>
+            </a:extLst>
+          </p:cNvPr>
+          <p:cNvSpPr/>
+          <p:nvPr/>
+        </p:nvSpPr>
+        <p:spPr>
+          <a:xfrm>
+            <a:off x="5072530" y="2854702"/>
+            <a:ext cx="216000" cy="216000"/>
+          </a:xfrm>
+          <a:prstGeom prst="rect">
+            <a:avLst/>
+          </a:prstGeom>
+          <a:noFill/>
+        </p:spPr>
+        <p:style>
+          <a:lnRef idx="2">
+            <a:schemeClr val="accent1">
+              <a:shade val="15000"/>
+            </a:schemeClr>
+          </a:lnRef>
+          <a:fillRef idx="1">
+            <a:schemeClr val="accent1"/>
+          </a:fillRef>
+          <a:effectRef idx="0">
+            <a:schemeClr val="accent1"/>
+          </a:effectRef>
+          <a:fontRef idx="minor">
+            <a:schemeClr val="lt1"/>
+          </a:fontRef>
+        </p:style>
+        <p:txBody>
+          <a:bodyPr rtlCol="0" anchor="ctr"/>
+          <a:lstStyle/>
+          <a:p>
+            <a:pPr algn="ctr"/>
             <a:endParaRPr lang="en-US"/>
           </a:p>
         </p:txBody>
@@ -4382,7 +5495,7 @@
     </p:spTree>
     <p:extLst>
       <p:ext uri="{BB962C8B-B14F-4D97-AF65-F5344CB8AC3E}">
-        <p14:creationId xmlns:p14="http://schemas.microsoft.com/office/powerpoint/2010/main" val="2787564042"/>
+        <p14:creationId xmlns:p14="http://schemas.microsoft.com/office/powerpoint/2010/main" val="4125019845"/>
       </p:ext>
     </p:extLst>
   </p:cSld>

--- a/מקרא.pptx
+++ b/מקרא.pptx
@@ -3997,7 +3997,7 @@
         <p:spPr>
           <a:xfrm>
             <a:off x="5477817" y="2871866"/>
-            <a:ext cx="1494320" cy="276999"/>
+            <a:ext cx="1525440" cy="276999"/>
           </a:xfrm>
           <a:prstGeom prst="rect">
             <a:avLst/>
@@ -4016,7 +4016,7 @@
                 <a:latin typeface="Arial" panose="020B0604020202020204" pitchFamily="34" charset="0"/>
                 <a:cs typeface="Arial" panose="020B0604020202020204" pitchFamily="34" charset="0"/>
               </a:rPr>
-              <a:t>עמדה קבועה</a:t>
+              <a:t>עמדה קבועה של הסל</a:t>
             </a:r>
             <a:endParaRPr lang="en-US" sz="1200" b="1" dirty="0">
               <a:latin typeface="Arial" panose="020B0604020202020204" pitchFamily="34" charset="0"/>
@@ -4379,12 +4379,498 @@
           </a:p>
         </p:txBody>
       </p:sp>
+      <p:sp>
+        <p:nvSpPr>
+          <p:cNvPr id="5" name="Rectangle 4">
+            <a:extLst>
+              <a:ext uri="{FF2B5EF4-FFF2-40B4-BE49-F238E27FC236}">
+                <a16:creationId xmlns:a16="http://schemas.microsoft.com/office/drawing/2014/main" id="{96C8BF1F-E5B6-85DD-98C4-372370238F93}"/>
+              </a:ext>
+            </a:extLst>
+          </p:cNvPr>
+          <p:cNvSpPr/>
+          <p:nvPr/>
+        </p:nvSpPr>
+        <p:spPr>
+          <a:xfrm>
+            <a:off x="891923" y="1637244"/>
+            <a:ext cx="1870131" cy="1344704"/>
+          </a:xfrm>
+          <a:prstGeom prst="rect">
+            <a:avLst/>
+          </a:prstGeom>
+          <a:solidFill>
+            <a:schemeClr val="bg1"/>
+          </a:solidFill>
+          <a:ln w="6350"/>
+        </p:spPr>
+        <p:style>
+          <a:lnRef idx="2">
+            <a:schemeClr val="accent1">
+              <a:shade val="15000"/>
+            </a:schemeClr>
+          </a:lnRef>
+          <a:fillRef idx="1">
+            <a:schemeClr val="accent1"/>
+          </a:fillRef>
+          <a:effectRef idx="0">
+            <a:schemeClr val="accent1"/>
+          </a:effectRef>
+          <a:fontRef idx="minor">
+            <a:schemeClr val="lt1"/>
+          </a:fontRef>
+        </p:style>
+        <p:txBody>
+          <a:bodyPr rtlCol="0" anchor="ctr"/>
+          <a:lstStyle/>
+          <a:p>
+            <a:pPr algn="ctr"/>
+            <a:endParaRPr lang="en-US"/>
+          </a:p>
+        </p:txBody>
+      </p:sp>
+      <p:sp>
+        <p:nvSpPr>
+          <p:cNvPr id="12" name="TextBox 11">
+            <a:extLst>
+              <a:ext uri="{FF2B5EF4-FFF2-40B4-BE49-F238E27FC236}">
+                <a16:creationId xmlns:a16="http://schemas.microsoft.com/office/drawing/2014/main" id="{EB81B921-6AA3-E574-2154-74557A1DEFC5}"/>
+              </a:ext>
+            </a:extLst>
+          </p:cNvPr>
+          <p:cNvSpPr txBox="1"/>
+          <p:nvPr/>
+        </p:nvSpPr>
+        <p:spPr>
+          <a:xfrm>
+            <a:off x="1548391" y="1888299"/>
+            <a:ext cx="1053408" cy="276999"/>
+          </a:xfrm>
+          <a:prstGeom prst="rect">
+            <a:avLst/>
+          </a:prstGeom>
+          <a:noFill/>
+        </p:spPr>
+        <p:txBody>
+          <a:bodyPr wrap="square">
+            <a:spAutoFit/>
+          </a:bodyPr>
+          <a:lstStyle/>
+          <a:p>
+            <a:pPr rtl="1"/>
+            <a:r>
+              <a:rPr lang="he-IL" sz="1200" b="1" dirty="0">
+                <a:latin typeface="Arial" panose="020B0604020202020204" pitchFamily="34" charset="0"/>
+                <a:cs typeface="Arial" panose="020B0604020202020204" pitchFamily="34" charset="0"/>
+              </a:rPr>
+              <a:t>לולאה</a:t>
+            </a:r>
+            <a:endParaRPr lang="en-US" sz="1200" b="1" dirty="0">
+              <a:latin typeface="Arial" panose="020B0604020202020204" pitchFamily="34" charset="0"/>
+              <a:cs typeface="Arial" panose="020B0604020202020204" pitchFamily="34" charset="0"/>
+            </a:endParaRPr>
+          </a:p>
+        </p:txBody>
+      </p:sp>
+      <p:sp>
+        <p:nvSpPr>
+          <p:cNvPr id="13" name="TextBox 12">
+            <a:extLst>
+              <a:ext uri="{FF2B5EF4-FFF2-40B4-BE49-F238E27FC236}">
+                <a16:creationId xmlns:a16="http://schemas.microsoft.com/office/drawing/2014/main" id="{6ED0EBD6-8176-7D38-5CCE-5B62425E199D}"/>
+              </a:ext>
+            </a:extLst>
+          </p:cNvPr>
+          <p:cNvSpPr txBox="1"/>
+          <p:nvPr/>
+        </p:nvSpPr>
+        <p:spPr>
+          <a:xfrm>
+            <a:off x="1548391" y="2115798"/>
+            <a:ext cx="907622" cy="276999"/>
+          </a:xfrm>
+          <a:prstGeom prst="rect">
+            <a:avLst/>
+          </a:prstGeom>
+          <a:noFill/>
+        </p:spPr>
+        <p:txBody>
+          <a:bodyPr wrap="square">
+            <a:spAutoFit/>
+          </a:bodyPr>
+          <a:lstStyle/>
+          <a:p>
+            <a:pPr rtl="1"/>
+            <a:r>
+              <a:rPr lang="he-IL" sz="1200" b="1" dirty="0">
+                <a:latin typeface="Arial" panose="020B0604020202020204" pitchFamily="34" charset="0"/>
+                <a:cs typeface="Arial" panose="020B0604020202020204" pitchFamily="34" charset="0"/>
+              </a:rPr>
+              <a:t>מיקרוגל</a:t>
+            </a:r>
+            <a:endParaRPr lang="en-US" sz="1200" b="1" dirty="0">
+              <a:latin typeface="Arial" panose="020B0604020202020204" pitchFamily="34" charset="0"/>
+              <a:cs typeface="Arial" panose="020B0604020202020204" pitchFamily="34" charset="0"/>
+            </a:endParaRPr>
+          </a:p>
+        </p:txBody>
+      </p:sp>
+      <p:sp>
+        <p:nvSpPr>
+          <p:cNvPr id="22" name="Isosceles Triangle 21">
+            <a:extLst>
+              <a:ext uri="{FF2B5EF4-FFF2-40B4-BE49-F238E27FC236}">
+                <a16:creationId xmlns:a16="http://schemas.microsoft.com/office/drawing/2014/main" id="{2A7BF7E2-E2AE-DC40-0F76-AC5ECC14324C}"/>
+              </a:ext>
+            </a:extLst>
+          </p:cNvPr>
+          <p:cNvSpPr>
+            <a:spLocks noChangeAspect="1"/>
+          </p:cNvSpPr>
+          <p:nvPr/>
+        </p:nvSpPr>
+        <p:spPr>
+          <a:xfrm>
+            <a:off x="1161103" y="1949212"/>
+            <a:ext cx="180000" cy="155173"/>
+          </a:xfrm>
+          <a:prstGeom prst="triangle">
+            <a:avLst/>
+          </a:prstGeom>
+          <a:solidFill>
+            <a:srgbClr val="FF0000"/>
+          </a:solidFill>
+          <a:ln>
+            <a:solidFill>
+              <a:schemeClr val="tx1"/>
+            </a:solidFill>
+          </a:ln>
+        </p:spPr>
+        <p:style>
+          <a:lnRef idx="2">
+            <a:schemeClr val="accent1">
+              <a:shade val="15000"/>
+            </a:schemeClr>
+          </a:lnRef>
+          <a:fillRef idx="1">
+            <a:schemeClr val="accent1"/>
+          </a:fillRef>
+          <a:effectRef idx="0">
+            <a:schemeClr val="accent1"/>
+          </a:effectRef>
+          <a:fontRef idx="minor">
+            <a:schemeClr val="lt1"/>
+          </a:fontRef>
+        </p:style>
+        <p:txBody>
+          <a:bodyPr rtlCol="0" anchor="ctr"/>
+          <a:lstStyle/>
+          <a:p>
+            <a:pPr algn="ctr"/>
+            <a:endParaRPr lang="en-US" sz="1600" b="1"/>
+          </a:p>
+        </p:txBody>
+      </p:sp>
+      <p:sp>
+        <p:nvSpPr>
+          <p:cNvPr id="23" name="Isosceles Triangle 22">
+            <a:extLst>
+              <a:ext uri="{FF2B5EF4-FFF2-40B4-BE49-F238E27FC236}">
+                <a16:creationId xmlns:a16="http://schemas.microsoft.com/office/drawing/2014/main" id="{601353A6-309D-3E6F-3818-F7281DD8A191}"/>
+              </a:ext>
+            </a:extLst>
+          </p:cNvPr>
+          <p:cNvSpPr>
+            <a:spLocks noChangeAspect="1"/>
+          </p:cNvSpPr>
+          <p:nvPr/>
+        </p:nvSpPr>
+        <p:spPr>
+          <a:xfrm>
+            <a:off x="1161103" y="2176711"/>
+            <a:ext cx="180000" cy="155173"/>
+          </a:xfrm>
+          <a:prstGeom prst="triangle">
+            <a:avLst/>
+          </a:prstGeom>
+          <a:solidFill>
+            <a:srgbClr val="0000FF"/>
+          </a:solidFill>
+          <a:ln>
+            <a:solidFill>
+              <a:schemeClr val="tx1"/>
+            </a:solidFill>
+          </a:ln>
+        </p:spPr>
+        <p:style>
+          <a:lnRef idx="2">
+            <a:schemeClr val="accent1">
+              <a:shade val="15000"/>
+            </a:schemeClr>
+          </a:lnRef>
+          <a:fillRef idx="1">
+            <a:schemeClr val="accent1"/>
+          </a:fillRef>
+          <a:effectRef idx="0">
+            <a:schemeClr val="accent1"/>
+          </a:effectRef>
+          <a:fontRef idx="minor">
+            <a:schemeClr val="lt1"/>
+          </a:fontRef>
+        </p:style>
+        <p:txBody>
+          <a:bodyPr rtlCol="0" anchor="ctr"/>
+          <a:lstStyle/>
+          <a:p>
+            <a:pPr algn="ctr"/>
+            <a:endParaRPr lang="en-US" sz="1600" b="1"/>
+          </a:p>
+        </p:txBody>
+      </p:sp>
+      <p:sp>
+        <p:nvSpPr>
+          <p:cNvPr id="40" name="TextBox 39">
+            <a:extLst>
+              <a:ext uri="{FF2B5EF4-FFF2-40B4-BE49-F238E27FC236}">
+                <a16:creationId xmlns:a16="http://schemas.microsoft.com/office/drawing/2014/main" id="{E2016709-2339-C8BE-67AA-3D5E058843A9}"/>
+              </a:ext>
+            </a:extLst>
+          </p:cNvPr>
+          <p:cNvSpPr txBox="1"/>
+          <p:nvPr/>
+        </p:nvSpPr>
+        <p:spPr>
+          <a:xfrm>
+            <a:off x="1548390" y="2607376"/>
+            <a:ext cx="1053408" cy="276999"/>
+          </a:xfrm>
+          <a:prstGeom prst="rect">
+            <a:avLst/>
+          </a:prstGeom>
+          <a:noFill/>
+        </p:spPr>
+        <p:txBody>
+          <a:bodyPr wrap="square">
+            <a:spAutoFit/>
+          </a:bodyPr>
+          <a:lstStyle/>
+          <a:p>
+            <a:pPr rtl="1"/>
+            <a:r>
+              <a:rPr lang="he-IL" sz="1200" b="1" dirty="0">
+                <a:latin typeface="Arial" panose="020B0604020202020204" pitchFamily="34" charset="0"/>
+                <a:cs typeface="Arial" panose="020B0604020202020204" pitchFamily="34" charset="0"/>
+              </a:rPr>
+              <a:t>עמדה קבועה</a:t>
+            </a:r>
+            <a:endParaRPr lang="en-US" sz="1200" b="1" dirty="0">
+              <a:latin typeface="Arial" panose="020B0604020202020204" pitchFamily="34" charset="0"/>
+              <a:cs typeface="Arial" panose="020B0604020202020204" pitchFamily="34" charset="0"/>
+            </a:endParaRPr>
+          </a:p>
+        </p:txBody>
+      </p:sp>
+      <p:sp>
+        <p:nvSpPr>
+          <p:cNvPr id="41" name="Rectangle 40">
+            <a:extLst>
+              <a:ext uri="{FF2B5EF4-FFF2-40B4-BE49-F238E27FC236}">
+                <a16:creationId xmlns:a16="http://schemas.microsoft.com/office/drawing/2014/main" id="{B2C124B1-54E3-D9AF-DFE6-2E447306E67E}"/>
+              </a:ext>
+            </a:extLst>
+          </p:cNvPr>
+          <p:cNvSpPr/>
+          <p:nvPr/>
+        </p:nvSpPr>
+        <p:spPr>
+          <a:xfrm>
+            <a:off x="1143103" y="2653264"/>
+            <a:ext cx="216000" cy="216000"/>
+          </a:xfrm>
+          <a:prstGeom prst="rect">
+            <a:avLst/>
+          </a:prstGeom>
+          <a:noFill/>
+        </p:spPr>
+        <p:style>
+          <a:lnRef idx="2">
+            <a:schemeClr val="accent1">
+              <a:shade val="15000"/>
+            </a:schemeClr>
+          </a:lnRef>
+          <a:fillRef idx="1">
+            <a:schemeClr val="accent1"/>
+          </a:fillRef>
+          <a:effectRef idx="0">
+            <a:schemeClr val="accent1"/>
+          </a:effectRef>
+          <a:fontRef idx="minor">
+            <a:schemeClr val="lt1"/>
+          </a:fontRef>
+        </p:style>
+        <p:txBody>
+          <a:bodyPr rtlCol="0" anchor="ctr"/>
+          <a:lstStyle/>
+          <a:p>
+            <a:pPr algn="ctr"/>
+            <a:endParaRPr lang="en-US" sz="1600" b="1"/>
+          </a:p>
+        </p:txBody>
+      </p:sp>
+      <p:sp>
+        <p:nvSpPr>
+          <p:cNvPr id="43" name="TextBox 42">
+            <a:extLst>
+              <a:ext uri="{FF2B5EF4-FFF2-40B4-BE49-F238E27FC236}">
+                <a16:creationId xmlns:a16="http://schemas.microsoft.com/office/drawing/2014/main" id="{1EA67DC1-92F8-9B2D-B5B4-A22390DB50CC}"/>
+              </a:ext>
+            </a:extLst>
+          </p:cNvPr>
+          <p:cNvSpPr txBox="1"/>
+          <p:nvPr/>
+        </p:nvSpPr>
+        <p:spPr>
+          <a:xfrm>
+            <a:off x="1565221" y="1648353"/>
+            <a:ext cx="907621" cy="276999"/>
+          </a:xfrm>
+          <a:prstGeom prst="rect">
+            <a:avLst/>
+          </a:prstGeom>
+          <a:noFill/>
+        </p:spPr>
+        <p:txBody>
+          <a:bodyPr wrap="none" rtlCol="0">
+            <a:spAutoFit/>
+          </a:bodyPr>
+          <a:lstStyle/>
+          <a:p>
+            <a:pPr rtl="1"/>
+            <a:r>
+              <a:rPr lang="he-IL" sz="1200" b="1" u="sng" dirty="0">
+                <a:latin typeface="Arial" panose="020B0604020202020204" pitchFamily="34" charset="0"/>
+                <a:cs typeface="Arial" panose="020B0604020202020204" pitchFamily="34" charset="0"/>
+              </a:rPr>
+              <a:t>גלאי ספירה</a:t>
+            </a:r>
+            <a:endParaRPr lang="en-US" sz="1200" b="1" u="sng" dirty="0">
+              <a:latin typeface="Arial" panose="020B0604020202020204" pitchFamily="34" charset="0"/>
+              <a:cs typeface="Arial" panose="020B0604020202020204" pitchFamily="34" charset="0"/>
+            </a:endParaRPr>
+          </a:p>
+        </p:txBody>
+      </p:sp>
+      <p:sp>
+        <p:nvSpPr>
+          <p:cNvPr id="44" name="TextBox 43">
+            <a:extLst>
+              <a:ext uri="{FF2B5EF4-FFF2-40B4-BE49-F238E27FC236}">
+                <a16:creationId xmlns:a16="http://schemas.microsoft.com/office/drawing/2014/main" id="{BE2B8F71-8F31-ECEE-655B-D4C6C82A6EF4}"/>
+              </a:ext>
+            </a:extLst>
+          </p:cNvPr>
+          <p:cNvSpPr txBox="1"/>
+          <p:nvPr/>
+        </p:nvSpPr>
+        <p:spPr>
+          <a:xfrm>
+            <a:off x="1548391" y="2343297"/>
+            <a:ext cx="1128822" cy="276999"/>
+          </a:xfrm>
+          <a:prstGeom prst="rect">
+            <a:avLst/>
+          </a:prstGeom>
+          <a:noFill/>
+        </p:spPr>
+        <p:txBody>
+          <a:bodyPr wrap="square">
+            <a:spAutoFit/>
+          </a:bodyPr>
+          <a:lstStyle/>
+          <a:p>
+            <a:r>
+              <a:rPr lang="he-IL" sz="1200" b="1" dirty="0">
+                <a:latin typeface="Arial" panose="020B0604020202020204" pitchFamily="34" charset="0"/>
+                <a:cs typeface="Arial" panose="020B0604020202020204" pitchFamily="34" charset="0"/>
+              </a:rPr>
+              <a:t>וידאו </a:t>
+            </a:r>
+            <a:r>
+              <a:rPr lang="he-IL" sz="1200" b="1" dirty="0" err="1">
+                <a:latin typeface="Arial" panose="020B0604020202020204" pitchFamily="34" charset="0"/>
+                <a:cs typeface="Arial" panose="020B0604020202020204" pitchFamily="34" charset="0"/>
+              </a:rPr>
+              <a:t>אנליטיקה</a:t>
+            </a:r>
+            <a:endParaRPr lang="en-US" sz="1200" b="1" dirty="0">
+              <a:latin typeface="Arial" panose="020B0604020202020204" pitchFamily="34" charset="0"/>
+              <a:cs typeface="Arial" panose="020B0604020202020204" pitchFamily="34" charset="0"/>
+            </a:endParaRPr>
+          </a:p>
+        </p:txBody>
+      </p:sp>
+      <p:sp>
+        <p:nvSpPr>
+          <p:cNvPr id="45" name="Isosceles Triangle 44">
+            <a:extLst>
+              <a:ext uri="{FF2B5EF4-FFF2-40B4-BE49-F238E27FC236}">
+                <a16:creationId xmlns:a16="http://schemas.microsoft.com/office/drawing/2014/main" id="{B9BF7551-C862-A2BD-6126-8FD4EB5CF785}"/>
+              </a:ext>
+            </a:extLst>
+          </p:cNvPr>
+          <p:cNvSpPr>
+            <a:spLocks noChangeAspect="1"/>
+          </p:cNvSpPr>
+          <p:nvPr/>
+        </p:nvSpPr>
+        <p:spPr>
+          <a:xfrm>
+            <a:off x="1161103" y="2404210"/>
+            <a:ext cx="180000" cy="155173"/>
+          </a:xfrm>
+          <a:prstGeom prst="triangle">
+            <a:avLst/>
+          </a:prstGeom>
+          <a:solidFill>
+            <a:srgbClr val="309630"/>
+          </a:solidFill>
+          <a:ln>
+            <a:solidFill>
+              <a:schemeClr val="tx1"/>
+            </a:solidFill>
+          </a:ln>
+        </p:spPr>
+        <p:style>
+          <a:lnRef idx="2">
+            <a:schemeClr val="accent1">
+              <a:shade val="15000"/>
+            </a:schemeClr>
+          </a:lnRef>
+          <a:fillRef idx="1">
+            <a:schemeClr val="accent1"/>
+          </a:fillRef>
+          <a:effectRef idx="0">
+            <a:schemeClr val="accent1"/>
+          </a:effectRef>
+          <a:fontRef idx="minor">
+            <a:schemeClr val="lt1"/>
+          </a:fontRef>
+        </p:style>
+        <p:txBody>
+          <a:bodyPr rtlCol="0" anchor="ctr"/>
+          <a:lstStyle/>
+          <a:p>
+            <a:pPr algn="ctr"/>
+            <a:endParaRPr lang="en-US" sz="1600" b="1"/>
+          </a:p>
+        </p:txBody>
+      </p:sp>
       <p:pic>
         <p:nvPicPr>
-          <p:cNvPr id="37" name="Picture 36">
-            <a:extLst>
-              <a:ext uri="{FF2B5EF4-FFF2-40B4-BE49-F238E27FC236}">
-                <a16:creationId xmlns:a16="http://schemas.microsoft.com/office/drawing/2014/main" id="{0BAF838F-3634-1B53-AB31-13D7183DD600}"/>
+          <p:cNvPr id="6" name="Picture 5">
+            <a:extLst>
+              <a:ext uri="{FF2B5EF4-FFF2-40B4-BE49-F238E27FC236}">
+                <a16:creationId xmlns:a16="http://schemas.microsoft.com/office/drawing/2014/main" id="{F4091F26-A103-0540-0396-FE9F5C05A4A6}"/>
               </a:ext>
             </a:extLst>
           </p:cNvPr>
@@ -4401,7 +4887,7 @@
         </p:blipFill>
         <p:spPr>
           <a:xfrm>
-            <a:off x="5625166" y="3533483"/>
+            <a:off x="5657182" y="3442458"/>
             <a:ext cx="2261812" cy="2798307"/>
           </a:xfrm>
           <a:prstGeom prst="rect">
